--- a/assets/tactile_image_files/0020-creep/0020-creep.pptx
+++ b/assets/tactile_image_files/0020-creep/0020-creep.pptx
@@ -9,8 +9,8 @@
   </p:notesMasterIdLst>
   <p:sldIdLst>
     <p:sldId id="268" r:id="rId2"/>
-    <p:sldId id="267" r:id="rId3"/>
-    <p:sldId id="269" r:id="rId4"/>
+    <p:sldId id="270" r:id="rId3"/>
+    <p:sldId id="271" r:id="rId4"/>
   </p:sldIdLst>
   <p:sldSz cx="9144000" cy="6858000" type="screen4x3"/>
   <p:notesSz cx="6858000" cy="9144000"/>
@@ -198,7 +198,7 @@
           </a:lstStyle>
           <a:p>
             <a:fld id="{DC880F74-5F87-E94E-8AEF-72C270124CC0}" type="datetimeFigureOut">
-              <a:t>7/23/20</a:t>
+              <a:t>1/8/21</a:t>
             </a:fld>
             <a:endParaRPr lang="en-US"/>
           </a:p>
@@ -603,7 +603,7 @@
           <a:p>
             <a:fld id="{E796F801-3BB8-A247-923B-F07F1B58D38A}" type="datetimeFigureOut">
               <a:rPr lang="en-US" smtClean="0"/>
-              <a:t>7/23/20</a:t>
+              <a:t>1/8/21</a:t>
             </a:fld>
             <a:endParaRPr lang="en-US"/>
           </a:p>
@@ -783,7 +783,7 @@
           <a:p>
             <a:fld id="{E796F801-3BB8-A247-923B-F07F1B58D38A}" type="datetimeFigureOut">
               <a:rPr lang="en-US" smtClean="0"/>
-              <a:t>7/23/20</a:t>
+              <a:t>1/8/21</a:t>
             </a:fld>
             <a:endParaRPr lang="en-US"/>
           </a:p>
@@ -953,7 +953,7 @@
           <a:p>
             <a:fld id="{E796F801-3BB8-A247-923B-F07F1B58D38A}" type="datetimeFigureOut">
               <a:rPr lang="en-US" smtClean="0"/>
-              <a:t>7/23/20</a:t>
+              <a:t>1/8/21</a:t>
             </a:fld>
             <a:endParaRPr lang="en-US"/>
           </a:p>
@@ -1197,7 +1197,7 @@
           <a:p>
             <a:fld id="{E796F801-3BB8-A247-923B-F07F1B58D38A}" type="datetimeFigureOut">
               <a:rPr lang="en-US" smtClean="0"/>
-              <a:t>7/23/20</a:t>
+              <a:t>1/8/21</a:t>
             </a:fld>
             <a:endParaRPr lang="en-US"/>
           </a:p>
@@ -1429,7 +1429,7 @@
           <a:p>
             <a:fld id="{E796F801-3BB8-A247-923B-F07F1B58D38A}" type="datetimeFigureOut">
               <a:rPr lang="en-US" smtClean="0"/>
-              <a:t>7/23/20</a:t>
+              <a:t>1/8/21</a:t>
             </a:fld>
             <a:endParaRPr lang="en-US"/>
           </a:p>
@@ -1796,7 +1796,7 @@
           <a:p>
             <a:fld id="{E796F801-3BB8-A247-923B-F07F1B58D38A}" type="datetimeFigureOut">
               <a:rPr lang="en-US" smtClean="0"/>
-              <a:t>7/23/20</a:t>
+              <a:t>1/8/21</a:t>
             </a:fld>
             <a:endParaRPr lang="en-US"/>
           </a:p>
@@ -1914,7 +1914,7 @@
           <a:p>
             <a:fld id="{E796F801-3BB8-A247-923B-F07F1B58D38A}" type="datetimeFigureOut">
               <a:rPr lang="en-US" smtClean="0"/>
-              <a:t>7/23/20</a:t>
+              <a:t>1/8/21</a:t>
             </a:fld>
             <a:endParaRPr lang="en-US"/>
           </a:p>
@@ -2009,7 +2009,7 @@
           <a:p>
             <a:fld id="{E796F801-3BB8-A247-923B-F07F1B58D38A}" type="datetimeFigureOut">
               <a:rPr lang="en-US" smtClean="0"/>
-              <a:t>7/23/20</a:t>
+              <a:t>1/8/21</a:t>
             </a:fld>
             <a:endParaRPr lang="en-US"/>
           </a:p>
@@ -2286,7 +2286,7 @@
           <a:p>
             <a:fld id="{E796F801-3BB8-A247-923B-F07F1B58D38A}" type="datetimeFigureOut">
               <a:rPr lang="en-US" smtClean="0"/>
-              <a:t>7/23/20</a:t>
+              <a:t>1/8/21</a:t>
             </a:fld>
             <a:endParaRPr lang="en-US"/>
           </a:p>
@@ -2543,7 +2543,7 @@
           <a:p>
             <a:fld id="{E796F801-3BB8-A247-923B-F07F1B58D38A}" type="datetimeFigureOut">
               <a:rPr lang="en-US" smtClean="0"/>
-              <a:t>7/23/20</a:t>
+              <a:t>1/8/21</a:t>
             </a:fld>
             <a:endParaRPr lang="en-US"/>
           </a:p>
@@ -2756,7 +2756,7 @@
           <a:p>
             <a:fld id="{E796F801-3BB8-A247-923B-F07F1B58D38A}" type="datetimeFigureOut">
               <a:rPr lang="en-US" smtClean="0"/>
-              <a:t>7/23/20</a:t>
+              <a:t>1/8/21</a:t>
             </a:fld>
             <a:endParaRPr lang="en-US"/>
           </a:p>
@@ -3161,6 +3161,35 @@
           <a:chExt cx="0" cy="0"/>
         </a:xfrm>
       </p:grpSpPr>
+      <p:pic>
+        <p:nvPicPr>
+          <p:cNvPr id="3" name="Picture 2" descr="Diagram&#10;&#10;Description automatically generated">
+            <a:extLst>
+              <a:ext uri="{FF2B5EF4-FFF2-40B4-BE49-F238E27FC236}">
+                <a16:creationId xmlns:a16="http://schemas.microsoft.com/office/drawing/2014/main" id="{A15A707C-4291-B14E-8D30-999D36B90694}"/>
+              </a:ext>
+            </a:extLst>
+          </p:cNvPr>
+          <p:cNvPicPr>
+            <a:picLocks noChangeAspect="1"/>
+          </p:cNvPicPr>
+          <p:nvPr/>
+        </p:nvPicPr>
+        <p:blipFill rotWithShape="1">
+          <a:blip r:embed="rId2"/>
+          <a:srcRect l="6512" t="30387" r="23883" b="19224"/>
+          <a:stretch/>
+        </p:blipFill>
+        <p:spPr>
+          <a:xfrm>
+            <a:off x="107996" y="1414130"/>
+            <a:ext cx="8952644" cy="5007935"/>
+          </a:xfrm>
+          <a:prstGeom prst="rect">
+            <a:avLst/>
+          </a:prstGeom>
+        </p:spPr>
+      </p:pic>
       <p:cxnSp>
         <p:nvCxnSpPr>
           <p:cNvPr id="9" name="Straight Connector 8">
@@ -3278,35 +3307,6 @@
           </a:p>
         </p:txBody>
       </p:sp>
-      <p:pic>
-        <p:nvPicPr>
-          <p:cNvPr id="5" name="Picture 4" descr="A close up of a logo&#10;&#10;Description automatically generated">
-            <a:extLst>
-              <a:ext uri="{FF2B5EF4-FFF2-40B4-BE49-F238E27FC236}">
-                <a16:creationId xmlns:a16="http://schemas.microsoft.com/office/drawing/2014/main" id="{13190535-3AEA-DE43-98CE-030E6E8E182F}"/>
-              </a:ext>
-            </a:extLst>
-          </p:cNvPr>
-          <p:cNvPicPr>
-            <a:picLocks noChangeAspect="1"/>
-          </p:cNvPicPr>
-          <p:nvPr/>
-        </p:nvPicPr>
-        <p:blipFill rotWithShape="1">
-          <a:blip r:embed="rId2"/>
-          <a:srcRect l="6152" t="28372" r="24363" b="17520"/>
-          <a:stretch/>
-        </p:blipFill>
-        <p:spPr>
-          <a:xfrm>
-            <a:off x="191383" y="1220180"/>
-            <a:ext cx="7832144" cy="4712791"/>
-          </a:xfrm>
-          <a:prstGeom prst="rect">
-            <a:avLst/>
-          </a:prstGeom>
-        </p:spPr>
-      </p:pic>
       <p:sp>
         <p:nvSpPr>
           <p:cNvPr id="6" name="Rectangle 5">
@@ -3321,8 +3321,8 @@
         </p:nvSpPr>
         <p:spPr>
           <a:xfrm>
-            <a:off x="329606" y="2147780"/>
-            <a:ext cx="297712" cy="3540642"/>
+            <a:off x="255179" y="2349795"/>
+            <a:ext cx="297712" cy="3965948"/>
           </a:xfrm>
           <a:prstGeom prst="rect">
             <a:avLst/>
@@ -3362,47 +3362,6 @@
           </a:p>
         </p:txBody>
       </p:sp>
-      <p:cxnSp>
-        <p:nvCxnSpPr>
-          <p:cNvPr id="8" name="Straight Connector 7">
-            <a:extLst>
-              <a:ext uri="{FF2B5EF4-FFF2-40B4-BE49-F238E27FC236}">
-                <a16:creationId xmlns:a16="http://schemas.microsoft.com/office/drawing/2014/main" id="{F8177063-21ED-9847-B8EC-BF145E8463D8}"/>
-              </a:ext>
-            </a:extLst>
-          </p:cNvPr>
-          <p:cNvCxnSpPr/>
-          <p:nvPr/>
-        </p:nvCxnSpPr>
-        <p:spPr>
-          <a:xfrm>
-            <a:off x="616685" y="2381696"/>
-            <a:ext cx="0" cy="3179135"/>
-          </a:xfrm>
-          <a:prstGeom prst="line">
-            <a:avLst/>
-          </a:prstGeom>
-          <a:ln w="31750">
-            <a:solidFill>
-              <a:schemeClr val="tx1"/>
-            </a:solidFill>
-          </a:ln>
-        </p:spPr>
-        <p:style>
-          <a:lnRef idx="1">
-            <a:schemeClr val="accent1"/>
-          </a:lnRef>
-          <a:fillRef idx="0">
-            <a:schemeClr val="accent1"/>
-          </a:fillRef>
-          <a:effectRef idx="0">
-            <a:schemeClr val="accent1"/>
-          </a:effectRef>
-          <a:fontRef idx="minor">
-            <a:schemeClr val="tx1"/>
-          </a:fontRef>
-        </p:style>
-      </p:cxnSp>
       <p:sp>
         <p:nvSpPr>
           <p:cNvPr id="11" name="TextBox 10">
@@ -3417,7 +3376,7 @@
         </p:nvSpPr>
         <p:spPr>
           <a:xfrm>
-            <a:off x="4774015" y="1339705"/>
+            <a:off x="5730946" y="1360970"/>
             <a:ext cx="1895071" cy="307777"/>
           </a:xfrm>
           <a:prstGeom prst="rect">
@@ -3455,7 +3414,7 @@
         </p:nvSpPr>
         <p:spPr>
           <a:xfrm>
-            <a:off x="6712684" y="3437863"/>
+            <a:off x="6978498" y="3055091"/>
             <a:ext cx="1856598" cy="307777"/>
           </a:xfrm>
           <a:prstGeom prst="rect">
@@ -3493,8 +3452,8 @@
         </p:nvSpPr>
         <p:spPr>
           <a:xfrm>
-            <a:off x="1803987" y="4408969"/>
-            <a:ext cx="1685077" cy="369204"/>
+            <a:off x="1782723" y="4717313"/>
+            <a:ext cx="1119965" cy="646074"/>
           </a:xfrm>
           <a:prstGeom prst="rect">
             <a:avLst/>
@@ -3504,17 +3463,28 @@
           </a:solidFill>
         </p:spPr>
         <p:txBody>
-          <a:bodyPr wrap="none" rtlCol="0">
+          <a:bodyPr wrap="square" rtlCol="0">
             <a:spAutoFit/>
           </a:bodyPr>
           <a:lstStyle/>
           <a:p>
+            <a:pPr algn="ctr"/>
             <a:r>
               <a:rPr lang="en-US">
                 <a:latin typeface="Arial" panose="020B0604020202020204" pitchFamily="34" charset="0"/>
                 <a:cs typeface="Arial" panose="020B0604020202020204" pitchFamily="34" charset="0"/>
               </a:rPr>
-              <a:t>bedrock layers</a:t>
+              <a:t>bedrock</a:t>
+            </a:r>
+          </a:p>
+          <a:p>
+            <a:pPr algn="ctr"/>
+            <a:r>
+              <a:rPr lang="en-US">
+                <a:latin typeface="Arial" panose="020B0604020202020204" pitchFamily="34" charset="0"/>
+                <a:cs typeface="Arial" panose="020B0604020202020204" pitchFamily="34" charset="0"/>
+              </a:rPr>
+              <a:t>layers</a:t>
             </a:r>
           </a:p>
         </p:txBody>
@@ -3533,7 +3503,7 @@
         </p:nvSpPr>
         <p:spPr>
           <a:xfrm>
-            <a:off x="1034899" y="1524003"/>
+            <a:off x="971104" y="1162496"/>
             <a:ext cx="2059176" cy="523220"/>
           </a:xfrm>
           <a:prstGeom prst="rect">
@@ -3552,7 +3522,7 @@
                 <a:latin typeface="Arial" panose="020B0604020202020204" pitchFamily="34" charset="0"/>
                 <a:cs typeface="Arial" panose="020B0604020202020204" pitchFamily="34" charset="0"/>
               </a:rPr>
-              <a:t>leaning and topped gravestones</a:t>
+              <a:t>leaning and toppled gravestones</a:t>
             </a:r>
           </a:p>
         </p:txBody>
@@ -3571,8 +3541,8 @@
         </p:nvSpPr>
         <p:spPr>
           <a:xfrm>
-            <a:off x="5295015" y="2647510"/>
-            <a:ext cx="1268296" cy="307777"/>
+            <a:off x="5922336" y="3211037"/>
+            <a:ext cx="453970" cy="307777"/>
           </a:xfrm>
           <a:prstGeom prst="rect">
             <a:avLst/>
@@ -3590,54 +3560,11 @@
                 <a:latin typeface="Arial" panose="020B0604020202020204" pitchFamily="34" charset="0"/>
                 <a:cs typeface="Arial" panose="020B0604020202020204" pitchFamily="34" charset="0"/>
               </a:rPr>
-              <a:t>zone of creep</a:t>
-            </a:r>
-          </a:p>
-        </p:txBody>
-      </p:sp>
-      <p:cxnSp>
-        <p:nvCxnSpPr>
-          <p:cNvPr id="16" name="Straight Connector 15">
-            <a:extLst>
-              <a:ext uri="{FF2B5EF4-FFF2-40B4-BE49-F238E27FC236}">
-                <a16:creationId xmlns:a16="http://schemas.microsoft.com/office/drawing/2014/main" id="{78D19791-5510-8C46-B294-BE5F504CCDCA}"/>
-              </a:ext>
-            </a:extLst>
-          </p:cNvPr>
-          <p:cNvCxnSpPr>
-            <a:cxnSpLocks/>
-          </p:cNvCxnSpPr>
-          <p:nvPr/>
-        </p:nvCxnSpPr>
-        <p:spPr>
-          <a:xfrm flipV="1">
-            <a:off x="4720856" y="2931506"/>
-            <a:ext cx="574158" cy="577240"/>
-          </a:xfrm>
-          <a:prstGeom prst="line">
-            <a:avLst/>
-          </a:prstGeom>
-          <a:ln w="19050">
-            <a:solidFill>
-              <a:schemeClr val="tx1"/>
-            </a:solidFill>
-          </a:ln>
-        </p:spPr>
-        <p:style>
-          <a:lnRef idx="1">
-            <a:schemeClr val="accent1"/>
-          </a:lnRef>
-          <a:fillRef idx="0">
-            <a:schemeClr val="accent1"/>
-          </a:fillRef>
-          <a:effectRef idx="0">
-            <a:schemeClr val="accent1"/>
-          </a:effectRef>
-          <a:fontRef idx="minor">
-            <a:schemeClr val="tx1"/>
-          </a:fontRef>
-        </p:style>
-      </p:cxnSp>
+              <a:t>soil</a:t>
+            </a:r>
+          </a:p>
+        </p:txBody>
+      </p:sp>
       <p:sp>
         <p:nvSpPr>
           <p:cNvPr id="17" name="Rectangle 16">
@@ -3741,10 +3668,10 @@
       </p:sp>
       <p:sp>
         <p:nvSpPr>
-          <p:cNvPr id="19" name="Right Arrow 18">
+          <p:cNvPr id="15" name="Freeform 14">
             <a:extLst>
               <a:ext uri="{FF2B5EF4-FFF2-40B4-BE49-F238E27FC236}">
-                <a16:creationId xmlns:a16="http://schemas.microsoft.com/office/drawing/2014/main" id="{0A4D4FB8-ACF9-4048-87F2-947FF72B07C9}"/>
+                <a16:creationId xmlns:a16="http://schemas.microsoft.com/office/drawing/2014/main" id="{90B6BD30-FE14-7144-8FEC-E0DE16E256C6}"/>
               </a:ext>
             </a:extLst>
           </p:cNvPr>
@@ -3752,11 +3679,424 @@
           <p:nvPr/>
         </p:nvSpPr>
         <p:spPr>
-          <a:xfrm rot="1173132">
-            <a:off x="4788194" y="3512286"/>
-            <a:ext cx="648586" cy="276447"/>
-          </a:xfrm>
-          <a:prstGeom prst="rightArrow">
+          <a:xfrm>
+            <a:off x="563526" y="2541182"/>
+            <a:ext cx="8070111" cy="2596896"/>
+          </a:xfrm>
+          <a:custGeom>
+            <a:avLst/>
+            <a:gdLst>
+              <a:gd name="connsiteX0" fmla="*/ 0 w 8070111"/>
+              <a:gd name="connsiteY0" fmla="*/ 0 h 2594344"/>
+              <a:gd name="connsiteX1" fmla="*/ 574158 w 8070111"/>
+              <a:gd name="connsiteY1" fmla="*/ 85061 h 2594344"/>
+              <a:gd name="connsiteX2" fmla="*/ 797441 w 8070111"/>
+              <a:gd name="connsiteY2" fmla="*/ 170121 h 2594344"/>
+              <a:gd name="connsiteX3" fmla="*/ 1286539 w 8070111"/>
+              <a:gd name="connsiteY3" fmla="*/ 202019 h 2594344"/>
+              <a:gd name="connsiteX4" fmla="*/ 1765004 w 8070111"/>
+              <a:gd name="connsiteY4" fmla="*/ 318977 h 2594344"/>
+              <a:gd name="connsiteX5" fmla="*/ 2339162 w 8070111"/>
+              <a:gd name="connsiteY5" fmla="*/ 425303 h 2594344"/>
+              <a:gd name="connsiteX6" fmla="*/ 2987748 w 8070111"/>
+              <a:gd name="connsiteY6" fmla="*/ 659219 h 2594344"/>
+              <a:gd name="connsiteX7" fmla="*/ 3859618 w 8070111"/>
+              <a:gd name="connsiteY7" fmla="*/ 925033 h 2594344"/>
+              <a:gd name="connsiteX8" fmla="*/ 4369981 w 8070111"/>
+              <a:gd name="connsiteY8" fmla="*/ 1041991 h 2594344"/>
+              <a:gd name="connsiteX9" fmla="*/ 5178055 w 8070111"/>
+              <a:gd name="connsiteY9" fmla="*/ 1307805 h 2594344"/>
+              <a:gd name="connsiteX10" fmla="*/ 6103088 w 8070111"/>
+              <a:gd name="connsiteY10" fmla="*/ 1626782 h 2594344"/>
+              <a:gd name="connsiteX11" fmla="*/ 6517758 w 8070111"/>
+              <a:gd name="connsiteY11" fmla="*/ 1733107 h 2594344"/>
+              <a:gd name="connsiteX12" fmla="*/ 6422065 w 8070111"/>
+              <a:gd name="connsiteY12" fmla="*/ 2147777 h 2594344"/>
+              <a:gd name="connsiteX13" fmla="*/ 6570921 w 8070111"/>
+              <a:gd name="connsiteY13" fmla="*/ 2200940 h 2594344"/>
+              <a:gd name="connsiteX14" fmla="*/ 6634716 w 8070111"/>
+              <a:gd name="connsiteY14" fmla="*/ 2062717 h 2594344"/>
+              <a:gd name="connsiteX15" fmla="*/ 8059479 w 8070111"/>
+              <a:gd name="connsiteY15" fmla="*/ 2083982 h 2594344"/>
+              <a:gd name="connsiteX16" fmla="*/ 8070111 w 8070111"/>
+              <a:gd name="connsiteY16" fmla="*/ 2594344 h 2594344"/>
+              <a:gd name="connsiteX17" fmla="*/ 7049386 w 8070111"/>
+              <a:gd name="connsiteY17" fmla="*/ 2583712 h 2594344"/>
+              <a:gd name="connsiteX18" fmla="*/ 6624083 w 8070111"/>
+              <a:gd name="connsiteY18" fmla="*/ 2562447 h 2594344"/>
+              <a:gd name="connsiteX19" fmla="*/ 6305107 w 8070111"/>
+              <a:gd name="connsiteY19" fmla="*/ 2339163 h 2594344"/>
+              <a:gd name="connsiteX20" fmla="*/ 6198781 w 8070111"/>
+              <a:gd name="connsiteY20" fmla="*/ 2094614 h 2594344"/>
+              <a:gd name="connsiteX21" fmla="*/ 6113721 w 8070111"/>
+              <a:gd name="connsiteY21" fmla="*/ 2211572 h 2594344"/>
+              <a:gd name="connsiteX22" fmla="*/ 5380074 w 8070111"/>
+              <a:gd name="connsiteY22" fmla="*/ 1935126 h 2594344"/>
+              <a:gd name="connsiteX23" fmla="*/ 4795283 w 8070111"/>
+              <a:gd name="connsiteY23" fmla="*/ 1605517 h 2594344"/>
+              <a:gd name="connsiteX24" fmla="*/ 4210493 w 8070111"/>
+              <a:gd name="connsiteY24" fmla="*/ 1520456 h 2594344"/>
+              <a:gd name="connsiteX25" fmla="*/ 3317358 w 8070111"/>
+              <a:gd name="connsiteY25" fmla="*/ 1180214 h 2594344"/>
+              <a:gd name="connsiteX26" fmla="*/ 3572539 w 8070111"/>
+              <a:gd name="connsiteY26" fmla="*/ 1158949 h 2594344"/>
+              <a:gd name="connsiteX27" fmla="*/ 3530009 w 8070111"/>
+              <a:gd name="connsiteY27" fmla="*/ 1010093 h 2594344"/>
+              <a:gd name="connsiteX28" fmla="*/ 3125972 w 8070111"/>
+              <a:gd name="connsiteY28" fmla="*/ 978196 h 2594344"/>
+              <a:gd name="connsiteX29" fmla="*/ 2785730 w 8070111"/>
+              <a:gd name="connsiteY29" fmla="*/ 1127051 h 2594344"/>
+              <a:gd name="connsiteX30" fmla="*/ 2147776 w 8070111"/>
+              <a:gd name="connsiteY30" fmla="*/ 839972 h 2594344"/>
+              <a:gd name="connsiteX31" fmla="*/ 2073348 w 8070111"/>
+              <a:gd name="connsiteY31" fmla="*/ 712382 h 2594344"/>
+              <a:gd name="connsiteX32" fmla="*/ 1881962 w 8070111"/>
+              <a:gd name="connsiteY32" fmla="*/ 680484 h 2594344"/>
+              <a:gd name="connsiteX33" fmla="*/ 1562986 w 8070111"/>
+              <a:gd name="connsiteY33" fmla="*/ 616689 h 2594344"/>
+              <a:gd name="connsiteX34" fmla="*/ 1275907 w 8070111"/>
+              <a:gd name="connsiteY34" fmla="*/ 712382 h 2594344"/>
+              <a:gd name="connsiteX35" fmla="*/ 616688 w 8070111"/>
+              <a:gd name="connsiteY35" fmla="*/ 552893 h 2594344"/>
+              <a:gd name="connsiteX36" fmla="*/ 31897 w 8070111"/>
+              <a:gd name="connsiteY36" fmla="*/ 499731 h 2594344"/>
+              <a:gd name="connsiteX37" fmla="*/ 0 w 8070111"/>
+              <a:gd name="connsiteY37" fmla="*/ 0 h 2594344"/>
+            </a:gdLst>
+            <a:ahLst/>
+            <a:cxnLst>
+              <a:cxn ang="0">
+                <a:pos x="connsiteX0" y="connsiteY0"/>
+              </a:cxn>
+              <a:cxn ang="0">
+                <a:pos x="connsiteX1" y="connsiteY1"/>
+              </a:cxn>
+              <a:cxn ang="0">
+                <a:pos x="connsiteX2" y="connsiteY2"/>
+              </a:cxn>
+              <a:cxn ang="0">
+                <a:pos x="connsiteX3" y="connsiteY3"/>
+              </a:cxn>
+              <a:cxn ang="0">
+                <a:pos x="connsiteX4" y="connsiteY4"/>
+              </a:cxn>
+              <a:cxn ang="0">
+                <a:pos x="connsiteX5" y="connsiteY5"/>
+              </a:cxn>
+              <a:cxn ang="0">
+                <a:pos x="connsiteX6" y="connsiteY6"/>
+              </a:cxn>
+              <a:cxn ang="0">
+                <a:pos x="connsiteX7" y="connsiteY7"/>
+              </a:cxn>
+              <a:cxn ang="0">
+                <a:pos x="connsiteX8" y="connsiteY8"/>
+              </a:cxn>
+              <a:cxn ang="0">
+                <a:pos x="connsiteX9" y="connsiteY9"/>
+              </a:cxn>
+              <a:cxn ang="0">
+                <a:pos x="connsiteX10" y="connsiteY10"/>
+              </a:cxn>
+              <a:cxn ang="0">
+                <a:pos x="connsiteX11" y="connsiteY11"/>
+              </a:cxn>
+              <a:cxn ang="0">
+                <a:pos x="connsiteX12" y="connsiteY12"/>
+              </a:cxn>
+              <a:cxn ang="0">
+                <a:pos x="connsiteX13" y="connsiteY13"/>
+              </a:cxn>
+              <a:cxn ang="0">
+                <a:pos x="connsiteX14" y="connsiteY14"/>
+              </a:cxn>
+              <a:cxn ang="0">
+                <a:pos x="connsiteX15" y="connsiteY15"/>
+              </a:cxn>
+              <a:cxn ang="0">
+                <a:pos x="connsiteX16" y="connsiteY16"/>
+              </a:cxn>
+              <a:cxn ang="0">
+                <a:pos x="connsiteX17" y="connsiteY17"/>
+              </a:cxn>
+              <a:cxn ang="0">
+                <a:pos x="connsiteX18" y="connsiteY18"/>
+              </a:cxn>
+              <a:cxn ang="0">
+                <a:pos x="connsiteX19" y="connsiteY19"/>
+              </a:cxn>
+              <a:cxn ang="0">
+                <a:pos x="connsiteX20" y="connsiteY20"/>
+              </a:cxn>
+              <a:cxn ang="0">
+                <a:pos x="connsiteX21" y="connsiteY21"/>
+              </a:cxn>
+              <a:cxn ang="0">
+                <a:pos x="connsiteX22" y="connsiteY22"/>
+              </a:cxn>
+              <a:cxn ang="0">
+                <a:pos x="connsiteX23" y="connsiteY23"/>
+              </a:cxn>
+              <a:cxn ang="0">
+                <a:pos x="connsiteX24" y="connsiteY24"/>
+              </a:cxn>
+              <a:cxn ang="0">
+                <a:pos x="connsiteX25" y="connsiteY25"/>
+              </a:cxn>
+              <a:cxn ang="0">
+                <a:pos x="connsiteX26" y="connsiteY26"/>
+              </a:cxn>
+              <a:cxn ang="0">
+                <a:pos x="connsiteX27" y="connsiteY27"/>
+              </a:cxn>
+              <a:cxn ang="0">
+                <a:pos x="connsiteX28" y="connsiteY28"/>
+              </a:cxn>
+              <a:cxn ang="0">
+                <a:pos x="connsiteX29" y="connsiteY29"/>
+              </a:cxn>
+              <a:cxn ang="0">
+                <a:pos x="connsiteX30" y="connsiteY30"/>
+              </a:cxn>
+              <a:cxn ang="0">
+                <a:pos x="connsiteX31" y="connsiteY31"/>
+              </a:cxn>
+              <a:cxn ang="0">
+                <a:pos x="connsiteX32" y="connsiteY32"/>
+              </a:cxn>
+              <a:cxn ang="0">
+                <a:pos x="connsiteX33" y="connsiteY33"/>
+              </a:cxn>
+              <a:cxn ang="0">
+                <a:pos x="connsiteX34" y="connsiteY34"/>
+              </a:cxn>
+              <a:cxn ang="0">
+                <a:pos x="connsiteX35" y="connsiteY35"/>
+              </a:cxn>
+              <a:cxn ang="0">
+                <a:pos x="connsiteX36" y="connsiteY36"/>
+              </a:cxn>
+              <a:cxn ang="0">
+                <a:pos x="connsiteX37" y="connsiteY37"/>
+              </a:cxn>
+            </a:cxnLst>
+            <a:rect l="l" t="t" r="r" b="b"/>
+            <a:pathLst>
+              <a:path w="8070111" h="2594344">
+                <a:moveTo>
+                  <a:pt x="0" y="0"/>
+                </a:moveTo>
+                <a:lnTo>
+                  <a:pt x="574158" y="85061"/>
+                </a:lnTo>
+                <a:lnTo>
+                  <a:pt x="797441" y="170121"/>
+                </a:lnTo>
+                <a:lnTo>
+                  <a:pt x="1286539" y="202019"/>
+                </a:lnTo>
+                <a:lnTo>
+                  <a:pt x="1765004" y="318977"/>
+                </a:lnTo>
+                <a:lnTo>
+                  <a:pt x="2339162" y="425303"/>
+                </a:lnTo>
+                <a:lnTo>
+                  <a:pt x="2987748" y="659219"/>
+                </a:lnTo>
+                <a:lnTo>
+                  <a:pt x="3859618" y="925033"/>
+                </a:lnTo>
+                <a:lnTo>
+                  <a:pt x="4369981" y="1041991"/>
+                </a:lnTo>
+                <a:lnTo>
+                  <a:pt x="5178055" y="1307805"/>
+                </a:lnTo>
+                <a:lnTo>
+                  <a:pt x="6103088" y="1626782"/>
+                </a:lnTo>
+                <a:lnTo>
+                  <a:pt x="6517758" y="1733107"/>
+                </a:lnTo>
+                <a:lnTo>
+                  <a:pt x="6422065" y="2147777"/>
+                </a:lnTo>
+                <a:lnTo>
+                  <a:pt x="6570921" y="2200940"/>
+                </a:lnTo>
+                <a:lnTo>
+                  <a:pt x="6634716" y="2062717"/>
+                </a:lnTo>
+                <a:lnTo>
+                  <a:pt x="8059479" y="2083982"/>
+                </a:lnTo>
+                <a:lnTo>
+                  <a:pt x="8070111" y="2594344"/>
+                </a:lnTo>
+                <a:lnTo>
+                  <a:pt x="7049386" y="2583712"/>
+                </a:lnTo>
+                <a:lnTo>
+                  <a:pt x="6624083" y="2562447"/>
+                </a:lnTo>
+                <a:lnTo>
+                  <a:pt x="6305107" y="2339163"/>
+                </a:lnTo>
+                <a:lnTo>
+                  <a:pt x="6198781" y="2094614"/>
+                </a:lnTo>
+                <a:lnTo>
+                  <a:pt x="6113721" y="2211572"/>
+                </a:lnTo>
+                <a:lnTo>
+                  <a:pt x="5380074" y="1935126"/>
+                </a:lnTo>
+                <a:lnTo>
+                  <a:pt x="4795283" y="1605517"/>
+                </a:lnTo>
+                <a:lnTo>
+                  <a:pt x="4210493" y="1520456"/>
+                </a:lnTo>
+                <a:lnTo>
+                  <a:pt x="3317358" y="1180214"/>
+                </a:lnTo>
+                <a:lnTo>
+                  <a:pt x="3572539" y="1158949"/>
+                </a:lnTo>
+                <a:lnTo>
+                  <a:pt x="3530009" y="1010093"/>
+                </a:lnTo>
+                <a:lnTo>
+                  <a:pt x="3125972" y="978196"/>
+                </a:lnTo>
+                <a:lnTo>
+                  <a:pt x="2785730" y="1127051"/>
+                </a:lnTo>
+                <a:lnTo>
+                  <a:pt x="2147776" y="839972"/>
+                </a:lnTo>
+                <a:lnTo>
+                  <a:pt x="2073348" y="712382"/>
+                </a:lnTo>
+                <a:lnTo>
+                  <a:pt x="1881962" y="680484"/>
+                </a:lnTo>
+                <a:lnTo>
+                  <a:pt x="1562986" y="616689"/>
+                </a:lnTo>
+                <a:lnTo>
+                  <a:pt x="1275907" y="712382"/>
+                </a:lnTo>
+                <a:lnTo>
+                  <a:pt x="616688" y="552893"/>
+                </a:lnTo>
+                <a:lnTo>
+                  <a:pt x="31897" y="499731"/>
+                </a:lnTo>
+                <a:lnTo>
+                  <a:pt x="0" y="0"/>
+                </a:lnTo>
+                <a:close/>
+              </a:path>
+            </a:pathLst>
+          </a:custGeom>
+          <a:pattFill prst="pct5">
+            <a:fgClr>
+              <a:schemeClr val="tx1"/>
+            </a:fgClr>
+            <a:bgClr>
+              <a:schemeClr val="bg1"/>
+            </a:bgClr>
+          </a:pattFill>
+          <a:ln>
+            <a:noFill/>
+          </a:ln>
+        </p:spPr>
+        <p:style>
+          <a:lnRef idx="2">
+            <a:schemeClr val="accent1">
+              <a:shade val="50000"/>
+            </a:schemeClr>
+          </a:lnRef>
+          <a:fillRef idx="1">
+            <a:schemeClr val="accent1"/>
+          </a:fillRef>
+          <a:effectRef idx="0">
+            <a:schemeClr val="accent1"/>
+          </a:effectRef>
+          <a:fontRef idx="minor">
+            <a:schemeClr val="lt1"/>
+          </a:fontRef>
+        </p:style>
+        <p:txBody>
+          <a:bodyPr rtlCol="0" anchor="ctr"/>
+          <a:lstStyle/>
+          <a:p>
+            <a:pPr algn="ctr"/>
+            <a:endParaRPr lang="en-US"/>
+          </a:p>
+        </p:txBody>
+      </p:sp>
+      <p:cxnSp>
+        <p:nvCxnSpPr>
+          <p:cNvPr id="14" name="Straight Connector 13">
+            <a:extLst>
+              <a:ext uri="{FF2B5EF4-FFF2-40B4-BE49-F238E27FC236}">
+                <a16:creationId xmlns:a16="http://schemas.microsoft.com/office/drawing/2014/main" id="{8999FF0B-27BC-FA4F-94DB-AF5CB166872D}"/>
+              </a:ext>
+            </a:extLst>
+          </p:cNvPr>
+          <p:cNvCxnSpPr/>
+          <p:nvPr/>
+        </p:nvCxnSpPr>
+        <p:spPr>
+          <a:xfrm>
+            <a:off x="563526" y="2498651"/>
+            <a:ext cx="0" cy="3636335"/>
+          </a:xfrm>
+          <a:prstGeom prst="line">
+            <a:avLst/>
+          </a:prstGeom>
+          <a:ln w="38100">
+            <a:solidFill>
+              <a:schemeClr val="tx1"/>
+            </a:solidFill>
+          </a:ln>
+        </p:spPr>
+        <p:style>
+          <a:lnRef idx="1">
+            <a:schemeClr val="accent1"/>
+          </a:lnRef>
+          <a:fillRef idx="0">
+            <a:schemeClr val="accent1"/>
+          </a:fillRef>
+          <a:effectRef idx="0">
+            <a:schemeClr val="accent1"/>
+          </a:effectRef>
+          <a:fontRef idx="minor">
+            <a:schemeClr val="tx1"/>
+          </a:fontRef>
+        </p:style>
+      </p:cxnSp>
+      <p:sp>
+        <p:nvSpPr>
+          <p:cNvPr id="21" name="Rectangle 20">
+            <a:extLst>
+              <a:ext uri="{FF2B5EF4-FFF2-40B4-BE49-F238E27FC236}">
+                <a16:creationId xmlns:a16="http://schemas.microsoft.com/office/drawing/2014/main" id="{A17D6F70-E0F3-F74A-A41E-FA9DA976E732}"/>
+              </a:ext>
+            </a:extLst>
+          </p:cNvPr>
+          <p:cNvSpPr/>
+          <p:nvPr/>
+        </p:nvSpPr>
+        <p:spPr>
+          <a:xfrm rot="970182">
+            <a:off x="7069767" y="3833933"/>
+            <a:ext cx="236004" cy="978195"/>
+          </a:xfrm>
+          <a:prstGeom prst="rect">
             <a:avLst/>
           </a:prstGeom>
           <a:solidFill>
@@ -3793,10 +4133,10 @@
       </p:sp>
       <p:sp>
         <p:nvSpPr>
-          <p:cNvPr id="20" name="Right Arrow 19">
+          <p:cNvPr id="25" name="Rectangle 24">
             <a:extLst>
               <a:ext uri="{FF2B5EF4-FFF2-40B4-BE49-F238E27FC236}">
-                <a16:creationId xmlns:a16="http://schemas.microsoft.com/office/drawing/2014/main" id="{9DBD627F-50E0-1A4F-AAAA-2FA45A0A1496}"/>
+                <a16:creationId xmlns:a16="http://schemas.microsoft.com/office/drawing/2014/main" id="{9A0688A4-3BA7-1041-91DA-4CE3F98614D4}"/>
               </a:ext>
             </a:extLst>
           </p:cNvPr>
@@ -3804,12 +4144,508 @@
           <p:nvPr/>
         </p:nvSpPr>
         <p:spPr>
+          <a:xfrm rot="1457062">
+            <a:off x="1848798" y="2304245"/>
+            <a:ext cx="171368" cy="559010"/>
+          </a:xfrm>
+          <a:prstGeom prst="rect">
+            <a:avLst/>
+          </a:prstGeom>
+          <a:solidFill>
+            <a:schemeClr val="tx1"/>
+          </a:solidFill>
+          <a:ln>
+            <a:noFill/>
+          </a:ln>
+        </p:spPr>
+        <p:style>
+          <a:lnRef idx="2">
+            <a:schemeClr val="accent1">
+              <a:shade val="50000"/>
+            </a:schemeClr>
+          </a:lnRef>
+          <a:fillRef idx="1">
+            <a:schemeClr val="accent1"/>
+          </a:fillRef>
+          <a:effectRef idx="0">
+            <a:schemeClr val="accent1"/>
+          </a:effectRef>
+          <a:fontRef idx="minor">
+            <a:schemeClr val="lt1"/>
+          </a:fontRef>
+        </p:style>
+        <p:txBody>
+          <a:bodyPr rtlCol="0" anchor="ctr"/>
+          <a:lstStyle/>
+          <a:p>
+            <a:pPr algn="ctr"/>
+            <a:endParaRPr lang="en-US"/>
+          </a:p>
+        </p:txBody>
+      </p:sp>
+      <p:sp>
+        <p:nvSpPr>
+          <p:cNvPr id="26" name="Rectangle 25">
+            <a:extLst>
+              <a:ext uri="{FF2B5EF4-FFF2-40B4-BE49-F238E27FC236}">
+                <a16:creationId xmlns:a16="http://schemas.microsoft.com/office/drawing/2014/main" id="{B64BDA4E-7CF9-234B-933F-D00C1830BD48}"/>
+              </a:ext>
+            </a:extLst>
+          </p:cNvPr>
+          <p:cNvSpPr/>
+          <p:nvPr/>
+        </p:nvSpPr>
+        <p:spPr>
+          <a:xfrm rot="6052230">
+            <a:off x="2320175" y="2499177"/>
+            <a:ext cx="171368" cy="559010"/>
+          </a:xfrm>
+          <a:prstGeom prst="rect">
+            <a:avLst/>
+          </a:prstGeom>
+          <a:solidFill>
+            <a:schemeClr val="tx1"/>
+          </a:solidFill>
+          <a:ln>
+            <a:noFill/>
+          </a:ln>
+        </p:spPr>
+        <p:style>
+          <a:lnRef idx="2">
+            <a:schemeClr val="accent1">
+              <a:shade val="50000"/>
+            </a:schemeClr>
+          </a:lnRef>
+          <a:fillRef idx="1">
+            <a:schemeClr val="accent1"/>
+          </a:fillRef>
+          <a:effectRef idx="0">
+            <a:schemeClr val="accent1"/>
+          </a:effectRef>
+          <a:fontRef idx="minor">
+            <a:schemeClr val="lt1"/>
+          </a:fontRef>
+        </p:style>
+        <p:txBody>
+          <a:bodyPr rtlCol="0" anchor="ctr"/>
+          <a:lstStyle/>
+          <a:p>
+            <a:pPr algn="ctr"/>
+            <a:endParaRPr lang="en-US"/>
+          </a:p>
+        </p:txBody>
+      </p:sp>
+      <p:sp>
+        <p:nvSpPr>
+          <p:cNvPr id="27" name="Rectangle 26">
+            <a:extLst>
+              <a:ext uri="{FF2B5EF4-FFF2-40B4-BE49-F238E27FC236}">
+                <a16:creationId xmlns:a16="http://schemas.microsoft.com/office/drawing/2014/main" id="{0E6F529D-34A9-DC43-A73F-467A40BB3F57}"/>
+              </a:ext>
+            </a:extLst>
+          </p:cNvPr>
+          <p:cNvSpPr/>
+          <p:nvPr/>
+        </p:nvSpPr>
+        <p:spPr>
+          <a:xfrm rot="2161399">
+            <a:off x="1313625" y="2236908"/>
+            <a:ext cx="171368" cy="559010"/>
+          </a:xfrm>
+          <a:prstGeom prst="rect">
+            <a:avLst/>
+          </a:prstGeom>
+          <a:solidFill>
+            <a:schemeClr val="tx1"/>
+          </a:solidFill>
+          <a:ln>
+            <a:noFill/>
+          </a:ln>
+        </p:spPr>
+        <p:style>
+          <a:lnRef idx="2">
+            <a:schemeClr val="accent1">
+              <a:shade val="50000"/>
+            </a:schemeClr>
+          </a:lnRef>
+          <a:fillRef idx="1">
+            <a:schemeClr val="accent1"/>
+          </a:fillRef>
+          <a:effectRef idx="0">
+            <a:schemeClr val="accent1"/>
+          </a:effectRef>
+          <a:fontRef idx="minor">
+            <a:schemeClr val="lt1"/>
+          </a:fontRef>
+        </p:style>
+        <p:txBody>
+          <a:bodyPr rtlCol="0" anchor="ctr"/>
+          <a:lstStyle/>
+          <a:p>
+            <a:pPr algn="ctr"/>
+            <a:endParaRPr lang="en-US"/>
+          </a:p>
+        </p:txBody>
+      </p:sp>
+      <p:cxnSp>
+        <p:nvCxnSpPr>
+          <p:cNvPr id="29" name="Straight Connector 28">
+            <a:extLst>
+              <a:ext uri="{FF2B5EF4-FFF2-40B4-BE49-F238E27FC236}">
+                <a16:creationId xmlns:a16="http://schemas.microsoft.com/office/drawing/2014/main" id="{414B83F9-F4E5-FD40-8AD1-2652DF4F0C80}"/>
+              </a:ext>
+            </a:extLst>
+          </p:cNvPr>
+          <p:cNvCxnSpPr>
+            <a:cxnSpLocks/>
+          </p:cNvCxnSpPr>
+          <p:nvPr/>
+        </p:nvCxnSpPr>
+        <p:spPr>
+          <a:xfrm flipV="1">
+            <a:off x="6010939" y="1690577"/>
+            <a:ext cx="368596" cy="471378"/>
+          </a:xfrm>
+          <a:prstGeom prst="line">
+            <a:avLst/>
+          </a:prstGeom>
+          <a:ln w="19050">
+            <a:solidFill>
+              <a:schemeClr val="tx1"/>
+            </a:solidFill>
+          </a:ln>
+        </p:spPr>
+        <p:style>
+          <a:lnRef idx="1">
+            <a:schemeClr val="accent1"/>
+          </a:lnRef>
+          <a:fillRef idx="0">
+            <a:schemeClr val="accent1"/>
+          </a:fillRef>
+          <a:effectRef idx="0">
+            <a:schemeClr val="accent1"/>
+          </a:effectRef>
+          <a:fontRef idx="minor">
+            <a:schemeClr val="tx1"/>
+          </a:fontRef>
+        </p:style>
+      </p:cxnSp>
+      <p:cxnSp>
+        <p:nvCxnSpPr>
+          <p:cNvPr id="30" name="Straight Connector 29">
+            <a:extLst>
+              <a:ext uri="{FF2B5EF4-FFF2-40B4-BE49-F238E27FC236}">
+                <a16:creationId xmlns:a16="http://schemas.microsoft.com/office/drawing/2014/main" id="{8771FE4B-E084-6743-B562-28C5DA599547}"/>
+              </a:ext>
+            </a:extLst>
+          </p:cNvPr>
+          <p:cNvCxnSpPr>
+            <a:cxnSpLocks/>
+          </p:cNvCxnSpPr>
+          <p:nvPr/>
+        </p:nvCxnSpPr>
+        <p:spPr>
+          <a:xfrm flipV="1">
+            <a:off x="7371906" y="3402419"/>
+            <a:ext cx="187843" cy="428848"/>
+          </a:xfrm>
+          <a:prstGeom prst="line">
+            <a:avLst/>
+          </a:prstGeom>
+          <a:ln w="19050">
+            <a:solidFill>
+              <a:schemeClr val="tx1"/>
+            </a:solidFill>
+          </a:ln>
+        </p:spPr>
+        <p:style>
+          <a:lnRef idx="1">
+            <a:schemeClr val="accent1"/>
+          </a:lnRef>
+          <a:fillRef idx="0">
+            <a:schemeClr val="accent1"/>
+          </a:fillRef>
+          <a:effectRef idx="0">
+            <a:schemeClr val="accent1"/>
+          </a:effectRef>
+          <a:fontRef idx="minor">
+            <a:schemeClr val="tx1"/>
+          </a:fontRef>
+        </p:style>
+      </p:cxnSp>
+      <p:cxnSp>
+        <p:nvCxnSpPr>
+          <p:cNvPr id="31" name="Straight Connector 30">
+            <a:extLst>
+              <a:ext uri="{FF2B5EF4-FFF2-40B4-BE49-F238E27FC236}">
+                <a16:creationId xmlns:a16="http://schemas.microsoft.com/office/drawing/2014/main" id="{AF95AA91-DE20-D845-984A-5B0B54E09B89}"/>
+              </a:ext>
+            </a:extLst>
+          </p:cNvPr>
+          <p:cNvCxnSpPr>
+            <a:cxnSpLocks/>
+          </p:cNvCxnSpPr>
+          <p:nvPr/>
+        </p:nvCxnSpPr>
+        <p:spPr>
+          <a:xfrm flipV="1">
+            <a:off x="1690577" y="1717046"/>
+            <a:ext cx="129361" cy="547689"/>
+          </a:xfrm>
+          <a:prstGeom prst="line">
+            <a:avLst/>
+          </a:prstGeom>
+          <a:ln w="19050">
+            <a:solidFill>
+              <a:schemeClr val="tx1"/>
+            </a:solidFill>
+          </a:ln>
+        </p:spPr>
+        <p:style>
+          <a:lnRef idx="1">
+            <a:schemeClr val="accent1"/>
+          </a:lnRef>
+          <a:fillRef idx="0">
+            <a:schemeClr val="accent1"/>
+          </a:fillRef>
+          <a:effectRef idx="0">
+            <a:schemeClr val="accent1"/>
+          </a:effectRef>
+          <a:fontRef idx="minor">
+            <a:schemeClr val="tx1"/>
+          </a:fontRef>
+        </p:style>
+      </p:cxnSp>
+      <p:cxnSp>
+        <p:nvCxnSpPr>
+          <p:cNvPr id="35" name="Straight Connector 34">
+            <a:extLst>
+              <a:ext uri="{FF2B5EF4-FFF2-40B4-BE49-F238E27FC236}">
+                <a16:creationId xmlns:a16="http://schemas.microsoft.com/office/drawing/2014/main" id="{F2DAEE63-E834-C74D-9374-F5D7E3ADA726}"/>
+              </a:ext>
+            </a:extLst>
+          </p:cNvPr>
+          <p:cNvCxnSpPr>
+            <a:cxnSpLocks/>
+          </p:cNvCxnSpPr>
+          <p:nvPr/>
+        </p:nvCxnSpPr>
+        <p:spPr>
+          <a:xfrm flipV="1">
+            <a:off x="5847907" y="3508744"/>
+            <a:ext cx="223284" cy="563526"/>
+          </a:xfrm>
+          <a:prstGeom prst="line">
+            <a:avLst/>
+          </a:prstGeom>
+          <a:ln w="19050">
+            <a:solidFill>
+              <a:schemeClr val="tx1"/>
+            </a:solidFill>
+          </a:ln>
+        </p:spPr>
+        <p:style>
+          <a:lnRef idx="1">
+            <a:schemeClr val="accent1"/>
+          </a:lnRef>
+          <a:fillRef idx="0">
+            <a:schemeClr val="accent1"/>
+          </a:fillRef>
+          <a:effectRef idx="0">
+            <a:schemeClr val="accent1"/>
+          </a:effectRef>
+          <a:fontRef idx="minor">
+            <a:schemeClr val="tx1"/>
+          </a:fontRef>
+        </p:style>
+      </p:cxnSp>
+      <p:sp>
+        <p:nvSpPr>
+          <p:cNvPr id="36" name="Right Arrow 35">
+            <a:extLst>
+              <a:ext uri="{FF2B5EF4-FFF2-40B4-BE49-F238E27FC236}">
+                <a16:creationId xmlns:a16="http://schemas.microsoft.com/office/drawing/2014/main" id="{39DA048E-30FB-634F-9EFE-AC877CA139C6}"/>
+              </a:ext>
+            </a:extLst>
+          </p:cNvPr>
+          <p:cNvSpPr/>
+          <p:nvPr/>
+        </p:nvSpPr>
+        <p:spPr>
           <a:xfrm rot="1133820">
-            <a:off x="2842437" y="2970028"/>
+            <a:off x="2789273" y="3129518"/>
             <a:ext cx="648586" cy="276447"/>
           </a:xfrm>
           <a:prstGeom prst="rightArrow">
-            <a:avLst/>
+            <a:avLst>
+              <a:gd name="adj1" fmla="val 21085"/>
+              <a:gd name="adj2" fmla="val 67605"/>
+            </a:avLst>
+          </a:prstGeom>
+          <a:solidFill>
+            <a:schemeClr val="tx1"/>
+          </a:solidFill>
+          <a:ln>
+            <a:noFill/>
+          </a:ln>
+        </p:spPr>
+        <p:style>
+          <a:lnRef idx="2">
+            <a:schemeClr val="accent1">
+              <a:shade val="50000"/>
+            </a:schemeClr>
+          </a:lnRef>
+          <a:fillRef idx="1">
+            <a:schemeClr val="accent1"/>
+          </a:fillRef>
+          <a:effectRef idx="0">
+            <a:schemeClr val="accent1"/>
+          </a:effectRef>
+          <a:fontRef idx="minor">
+            <a:schemeClr val="lt1"/>
+          </a:fontRef>
+        </p:style>
+        <p:txBody>
+          <a:bodyPr rtlCol="0" anchor="ctr"/>
+          <a:lstStyle/>
+          <a:p>
+            <a:pPr algn="ctr"/>
+            <a:endParaRPr lang="en-US"/>
+          </a:p>
+        </p:txBody>
+      </p:sp>
+      <p:sp>
+        <p:nvSpPr>
+          <p:cNvPr id="37" name="Right Arrow 36">
+            <a:extLst>
+              <a:ext uri="{FF2B5EF4-FFF2-40B4-BE49-F238E27FC236}">
+                <a16:creationId xmlns:a16="http://schemas.microsoft.com/office/drawing/2014/main" id="{FD3A154D-862E-DB42-BA39-87574D7FEFCF}"/>
+              </a:ext>
+            </a:extLst>
+          </p:cNvPr>
+          <p:cNvSpPr/>
+          <p:nvPr/>
+        </p:nvSpPr>
+        <p:spPr>
+          <a:xfrm rot="1133820">
+            <a:off x="4494023" y="3696588"/>
+            <a:ext cx="648586" cy="276447"/>
+          </a:xfrm>
+          <a:prstGeom prst="rightArrow">
+            <a:avLst>
+              <a:gd name="adj1" fmla="val 21085"/>
+              <a:gd name="adj2" fmla="val 67605"/>
+            </a:avLst>
+          </a:prstGeom>
+          <a:solidFill>
+            <a:schemeClr val="tx1"/>
+          </a:solidFill>
+          <a:ln>
+            <a:noFill/>
+          </a:ln>
+        </p:spPr>
+        <p:style>
+          <a:lnRef idx="2">
+            <a:schemeClr val="accent1">
+              <a:shade val="50000"/>
+            </a:schemeClr>
+          </a:lnRef>
+          <a:fillRef idx="1">
+            <a:schemeClr val="accent1"/>
+          </a:fillRef>
+          <a:effectRef idx="0">
+            <a:schemeClr val="accent1"/>
+          </a:effectRef>
+          <a:fontRef idx="minor">
+            <a:schemeClr val="lt1"/>
+          </a:fontRef>
+        </p:style>
+        <p:txBody>
+          <a:bodyPr rtlCol="0" anchor="ctr"/>
+          <a:lstStyle/>
+          <a:p>
+            <a:pPr algn="ctr"/>
+            <a:endParaRPr lang="en-US"/>
+          </a:p>
+        </p:txBody>
+      </p:sp>
+      <p:sp>
+        <p:nvSpPr>
+          <p:cNvPr id="38" name="Right Arrow 37">
+            <a:extLst>
+              <a:ext uri="{FF2B5EF4-FFF2-40B4-BE49-F238E27FC236}">
+                <a16:creationId xmlns:a16="http://schemas.microsoft.com/office/drawing/2014/main" id="{6DD1A437-440C-6B40-8BCD-653545F10129}"/>
+              </a:ext>
+            </a:extLst>
+          </p:cNvPr>
+          <p:cNvSpPr/>
+          <p:nvPr/>
+        </p:nvSpPr>
+        <p:spPr>
+          <a:xfrm rot="516043">
+            <a:off x="1060427" y="2852326"/>
+            <a:ext cx="622106" cy="276447"/>
+          </a:xfrm>
+          <a:prstGeom prst="rightArrow">
+            <a:avLst>
+              <a:gd name="adj1" fmla="val 21085"/>
+              <a:gd name="adj2" fmla="val 67605"/>
+            </a:avLst>
+          </a:prstGeom>
+          <a:solidFill>
+            <a:schemeClr val="tx1"/>
+          </a:solidFill>
+          <a:ln>
+            <a:noFill/>
+          </a:ln>
+        </p:spPr>
+        <p:style>
+          <a:lnRef idx="2">
+            <a:schemeClr val="accent1">
+              <a:shade val="50000"/>
+            </a:schemeClr>
+          </a:lnRef>
+          <a:fillRef idx="1">
+            <a:schemeClr val="accent1"/>
+          </a:fillRef>
+          <a:effectRef idx="0">
+            <a:schemeClr val="accent1"/>
+          </a:effectRef>
+          <a:fontRef idx="minor">
+            <a:schemeClr val="lt1"/>
+          </a:fontRef>
+        </p:style>
+        <p:txBody>
+          <a:bodyPr rtlCol="0" anchor="ctr"/>
+          <a:lstStyle/>
+          <a:p>
+            <a:pPr algn="ctr"/>
+            <a:endParaRPr lang="en-US"/>
+          </a:p>
+        </p:txBody>
+      </p:sp>
+      <p:sp>
+        <p:nvSpPr>
+          <p:cNvPr id="39" name="Right Arrow 38">
+            <a:extLst>
+              <a:ext uri="{FF2B5EF4-FFF2-40B4-BE49-F238E27FC236}">
+                <a16:creationId xmlns:a16="http://schemas.microsoft.com/office/drawing/2014/main" id="{BF90AC9D-569D-1E47-A76D-0170112719C4}"/>
+              </a:ext>
+            </a:extLst>
+          </p:cNvPr>
+          <p:cNvSpPr/>
+          <p:nvPr/>
+        </p:nvSpPr>
+        <p:spPr>
+          <a:xfrm rot="1133820">
+            <a:off x="6156246" y="4231760"/>
+            <a:ext cx="648586" cy="276447"/>
+          </a:xfrm>
+          <a:prstGeom prst="rightArrow">
+            <a:avLst>
+              <a:gd name="adj1" fmla="val 21085"/>
+              <a:gd name="adj2" fmla="val 67605"/>
+            </a:avLst>
           </a:prstGeom>
           <a:solidFill>
             <a:schemeClr val="tx1"/>
@@ -3873,6 +4709,35 @@
           <a:chExt cx="0" cy="0"/>
         </a:xfrm>
       </p:grpSpPr>
+      <p:pic>
+        <p:nvPicPr>
+          <p:cNvPr id="3" name="Picture 2" descr="Diagram&#10;&#10;Description automatically generated">
+            <a:extLst>
+              <a:ext uri="{FF2B5EF4-FFF2-40B4-BE49-F238E27FC236}">
+                <a16:creationId xmlns:a16="http://schemas.microsoft.com/office/drawing/2014/main" id="{A15A707C-4291-B14E-8D30-999D36B90694}"/>
+              </a:ext>
+            </a:extLst>
+          </p:cNvPr>
+          <p:cNvPicPr>
+            <a:picLocks noChangeAspect="1"/>
+          </p:cNvPicPr>
+          <p:nvPr/>
+        </p:nvPicPr>
+        <p:blipFill rotWithShape="1">
+          <a:blip r:embed="rId2"/>
+          <a:srcRect l="6512" t="30387" r="23883" b="19224"/>
+          <a:stretch/>
+        </p:blipFill>
+        <p:spPr>
+          <a:xfrm>
+            <a:off x="107996" y="1414130"/>
+            <a:ext cx="8952644" cy="5007935"/>
+          </a:xfrm>
+          <a:prstGeom prst="rect">
+            <a:avLst/>
+          </a:prstGeom>
+        </p:spPr>
+      </p:pic>
       <p:cxnSp>
         <p:nvCxnSpPr>
           <p:cNvPr id="9" name="Straight Connector 8">
@@ -3944,78 +4809,15 @@
           <a:lstStyle/>
           <a:p>
             <a:r>
-              <a:rPr lang="en-US"/>
+              <a:rPr lang="en-US">
+                <a:latin typeface="Arial" panose="020B0604020202020204" pitchFamily="34" charset="0"/>
+                <a:cs typeface="Arial" panose="020B0604020202020204" pitchFamily="34" charset="0"/>
+              </a:rPr>
               <a:t>✄ </a:t>
             </a:r>
           </a:p>
         </p:txBody>
       </p:sp>
-      <p:sp>
-        <p:nvSpPr>
-          <p:cNvPr id="12" name="TextBox 11"/>
-          <p:cNvSpPr txBox="1"/>
-          <p:nvPr/>
-        </p:nvSpPr>
-        <p:spPr>
-          <a:xfrm flipH="1">
-            <a:off x="2820466" y="382137"/>
-            <a:ext cx="3381153" cy="461665"/>
-          </a:xfrm>
-          <a:prstGeom prst="rect">
-            <a:avLst/>
-          </a:prstGeom>
-          <a:noFill/>
-          <a:ln w="22225">
-            <a:noFill/>
-          </a:ln>
-        </p:spPr>
-        <p:txBody>
-          <a:bodyPr wrap="square" rtlCol="0">
-            <a:spAutoFit/>
-          </a:bodyPr>
-          <a:lstStyle/>
-          <a:p>
-            <a:pPr algn="ctr"/>
-            <a:r>
-              <a:rPr lang="en-US" sz="2400">
-                <a:latin typeface="Swell Braille" pitchFamily="49"/>
-                <a:ea typeface="Braille Normal" charset="0"/>
-                <a:cs typeface="Braille Normal" charset="0"/>
-              </a:rPr>
-              <a:t>⠠⠉⠗⠑⠑⠏</a:t>
-            </a:r>
-          </a:p>
-        </p:txBody>
-      </p:sp>
-      <p:pic>
-        <p:nvPicPr>
-          <p:cNvPr id="5" name="Picture 4" descr="A close up of a logo&#10;&#10;Description automatically generated">
-            <a:extLst>
-              <a:ext uri="{FF2B5EF4-FFF2-40B4-BE49-F238E27FC236}">
-                <a16:creationId xmlns:a16="http://schemas.microsoft.com/office/drawing/2014/main" id="{13190535-3AEA-DE43-98CE-030E6E8E182F}"/>
-              </a:ext>
-            </a:extLst>
-          </p:cNvPr>
-          <p:cNvPicPr>
-            <a:picLocks noChangeAspect="1"/>
-          </p:cNvPicPr>
-          <p:nvPr/>
-        </p:nvPicPr>
-        <p:blipFill rotWithShape="1">
-          <a:blip r:embed="rId2"/>
-          <a:srcRect l="6152" t="28372" r="24363" b="17520"/>
-          <a:stretch/>
-        </p:blipFill>
-        <p:spPr>
-          <a:xfrm>
-            <a:off x="191383" y="1220180"/>
-            <a:ext cx="7832144" cy="4712791"/>
-          </a:xfrm>
-          <a:prstGeom prst="rect">
-            <a:avLst/>
-          </a:prstGeom>
-        </p:spPr>
-      </p:pic>
       <p:sp>
         <p:nvSpPr>
           <p:cNvPr id="6" name="Rectangle 5">
@@ -4030,8 +4832,8 @@
         </p:nvSpPr>
         <p:spPr>
           <a:xfrm>
-            <a:off x="329606" y="2147780"/>
-            <a:ext cx="297712" cy="3540642"/>
+            <a:off x="255179" y="2349795"/>
+            <a:ext cx="297712" cy="3965948"/>
           </a:xfrm>
           <a:prstGeom prst="rect">
             <a:avLst/>
@@ -4064,288 +4866,19 @@
           <a:lstStyle/>
           <a:p>
             <a:pPr algn="ctr"/>
-            <a:endParaRPr lang="en-US"/>
-          </a:p>
-        </p:txBody>
-      </p:sp>
-      <p:cxnSp>
-        <p:nvCxnSpPr>
-          <p:cNvPr id="8" name="Straight Connector 7">
+            <a:endParaRPr lang="en-US">
+              <a:latin typeface="Arial" panose="020B0604020202020204" pitchFamily="34" charset="0"/>
+              <a:cs typeface="Arial" panose="020B0604020202020204" pitchFamily="34" charset="0"/>
+            </a:endParaRPr>
+          </a:p>
+        </p:txBody>
+      </p:sp>
+      <p:sp>
+        <p:nvSpPr>
+          <p:cNvPr id="18" name="Right Arrow 17">
             <a:extLst>
               <a:ext uri="{FF2B5EF4-FFF2-40B4-BE49-F238E27FC236}">
-                <a16:creationId xmlns:a16="http://schemas.microsoft.com/office/drawing/2014/main" id="{F8177063-21ED-9847-B8EC-BF145E8463D8}"/>
-              </a:ext>
-            </a:extLst>
-          </p:cNvPr>
-          <p:cNvCxnSpPr/>
-          <p:nvPr/>
-        </p:nvCxnSpPr>
-        <p:spPr>
-          <a:xfrm>
-            <a:off x="616685" y="2381696"/>
-            <a:ext cx="0" cy="3179135"/>
-          </a:xfrm>
-          <a:prstGeom prst="line">
-            <a:avLst/>
-          </a:prstGeom>
-          <a:ln w="31750">
-            <a:solidFill>
-              <a:schemeClr val="tx1"/>
-            </a:solidFill>
-          </a:ln>
-        </p:spPr>
-        <p:style>
-          <a:lnRef idx="1">
-            <a:schemeClr val="accent1"/>
-          </a:lnRef>
-          <a:fillRef idx="0">
-            <a:schemeClr val="accent1"/>
-          </a:fillRef>
-          <a:effectRef idx="0">
-            <a:schemeClr val="accent1"/>
-          </a:effectRef>
-          <a:fontRef idx="minor">
-            <a:schemeClr val="tx1"/>
-          </a:fontRef>
-        </p:style>
-      </p:cxnSp>
-      <p:sp>
-        <p:nvSpPr>
-          <p:cNvPr id="11" name="TextBox 10">
-            <a:extLst>
-              <a:ext uri="{FF2B5EF4-FFF2-40B4-BE49-F238E27FC236}">
-                <a16:creationId xmlns:a16="http://schemas.microsoft.com/office/drawing/2014/main" id="{FA33AE2E-36E7-5843-92F1-6F737EA63389}"/>
-              </a:ext>
-            </a:extLst>
-          </p:cNvPr>
-          <p:cNvSpPr txBox="1"/>
-          <p:nvPr/>
-        </p:nvSpPr>
-        <p:spPr>
-          <a:xfrm>
-            <a:off x="4699587" y="1244012"/>
-            <a:ext cx="4195379" cy="461665"/>
-          </a:xfrm>
-          <a:prstGeom prst="rect">
-            <a:avLst/>
-          </a:prstGeom>
-          <a:noFill/>
-        </p:spPr>
-        <p:txBody>
-          <a:bodyPr wrap="none" rtlCol="0">
-            <a:spAutoFit/>
-          </a:bodyPr>
-          <a:lstStyle/>
-          <a:p>
-            <a:r>
-              <a:rPr lang="en-US" sz="2400">
-                <a:latin typeface="Swell Braille" pitchFamily="49"/>
-              </a:rPr>
-              <a:t>⠞⠗⠑⠑⠀⠾⠀⠉⠥⠗⠧⠫⠀⠞⠗⠥⠝⠅</a:t>
-            </a:r>
-          </a:p>
-        </p:txBody>
-      </p:sp>
-      <p:sp>
-        <p:nvSpPr>
-          <p:cNvPr id="32" name="TextBox 31">
-            <a:extLst>
-              <a:ext uri="{FF2B5EF4-FFF2-40B4-BE49-F238E27FC236}">
-                <a16:creationId xmlns:a16="http://schemas.microsoft.com/office/drawing/2014/main" id="{A25AB66D-8421-4D46-B29B-B8745673052F}"/>
-              </a:ext>
-            </a:extLst>
-          </p:cNvPr>
-          <p:cNvSpPr txBox="1"/>
-          <p:nvPr/>
-        </p:nvSpPr>
-        <p:spPr>
-          <a:xfrm>
-            <a:off x="6563826" y="3257110"/>
-            <a:ext cx="3026741" cy="830997"/>
-          </a:xfrm>
-          <a:prstGeom prst="rect">
-            <a:avLst/>
-          </a:prstGeom>
-          <a:noFill/>
-        </p:spPr>
-        <p:txBody>
-          <a:bodyPr wrap="square" rtlCol="0">
-            <a:spAutoFit/>
-          </a:bodyPr>
-          <a:lstStyle/>
-          <a:p>
-            <a:r>
-              <a:rPr lang="en-US" sz="2400">
-                <a:latin typeface="Swell Braille" pitchFamily="49"/>
-              </a:rPr>
-              <a:t>⠇⠂⠝⠬⠀⠗⠑⠞⠁⠔⠬⠀⠺⠁⠇⠇</a:t>
-            </a:r>
-          </a:p>
-        </p:txBody>
-      </p:sp>
-      <p:sp>
-        <p:nvSpPr>
-          <p:cNvPr id="33" name="TextBox 32">
-            <a:extLst>
-              <a:ext uri="{FF2B5EF4-FFF2-40B4-BE49-F238E27FC236}">
-                <a16:creationId xmlns:a16="http://schemas.microsoft.com/office/drawing/2014/main" id="{E157D070-F0FD-C441-BD9B-5892F7B20B6A}"/>
-              </a:ext>
-            </a:extLst>
-          </p:cNvPr>
-          <p:cNvSpPr txBox="1"/>
-          <p:nvPr/>
-        </p:nvSpPr>
-        <p:spPr>
-          <a:xfrm>
-            <a:off x="1336155" y="4398337"/>
-            <a:ext cx="2858475" cy="461665"/>
-          </a:xfrm>
-          <a:prstGeom prst="rect">
-            <a:avLst/>
-          </a:prstGeom>
-          <a:solidFill>
-            <a:schemeClr val="bg1"/>
-          </a:solidFill>
-        </p:spPr>
-        <p:txBody>
-          <a:bodyPr wrap="none" rtlCol="0">
-            <a:spAutoFit/>
-          </a:bodyPr>
-          <a:lstStyle/>
-          <a:p>
-            <a:r>
-              <a:rPr lang="en-US" sz="2400">
-                <a:latin typeface="Swell Braille" pitchFamily="49"/>
-              </a:rPr>
-              <a:t>⠃⠫⠗⠕⠉⠅⠀⠇⠁⠽⠻⠎</a:t>
-            </a:r>
-          </a:p>
-        </p:txBody>
-      </p:sp>
-      <p:sp>
-        <p:nvSpPr>
-          <p:cNvPr id="34" name="TextBox 33">
-            <a:extLst>
-              <a:ext uri="{FF2B5EF4-FFF2-40B4-BE49-F238E27FC236}">
-                <a16:creationId xmlns:a16="http://schemas.microsoft.com/office/drawing/2014/main" id="{D076E533-4A9B-1049-B376-3BC0527F8C39}"/>
-              </a:ext>
-            </a:extLst>
-          </p:cNvPr>
-          <p:cNvSpPr txBox="1"/>
-          <p:nvPr/>
-        </p:nvSpPr>
-        <p:spPr>
-          <a:xfrm>
-            <a:off x="758453" y="1300719"/>
-            <a:ext cx="3101166" cy="830997"/>
-          </a:xfrm>
-          <a:prstGeom prst="rect">
-            <a:avLst/>
-          </a:prstGeom>
-          <a:noFill/>
-        </p:spPr>
-        <p:txBody>
-          <a:bodyPr wrap="square" rtlCol="0">
-            <a:spAutoFit/>
-          </a:bodyPr>
-          <a:lstStyle/>
-          <a:p>
-            <a:r>
-              <a:rPr lang="en-US" sz="2400">
-                <a:latin typeface="Swell Braille" pitchFamily="49"/>
-              </a:rPr>
-              <a:t>⠇⠂⠝⠬⠀⠯⠀⠞⠕⠏⠏⠇⠫⠀⠛⠗⠁⠧⠑⠌⠐⠕⠎</a:t>
-            </a:r>
-          </a:p>
-        </p:txBody>
-      </p:sp>
-      <p:sp>
-        <p:nvSpPr>
-          <p:cNvPr id="13" name="TextBox 12">
-            <a:extLst>
-              <a:ext uri="{FF2B5EF4-FFF2-40B4-BE49-F238E27FC236}">
-                <a16:creationId xmlns:a16="http://schemas.microsoft.com/office/drawing/2014/main" id="{A9E226F8-D894-594B-B9D4-DF2A13F43AC9}"/>
-              </a:ext>
-            </a:extLst>
-          </p:cNvPr>
-          <p:cNvSpPr txBox="1"/>
-          <p:nvPr/>
-        </p:nvSpPr>
-        <p:spPr>
-          <a:xfrm>
-            <a:off x="5295014" y="2700673"/>
-            <a:ext cx="2635658" cy="461665"/>
-          </a:xfrm>
-          <a:prstGeom prst="rect">
-            <a:avLst/>
-          </a:prstGeom>
-          <a:noFill/>
-        </p:spPr>
-        <p:txBody>
-          <a:bodyPr wrap="none" rtlCol="0">
-            <a:spAutoFit/>
-          </a:bodyPr>
-          <a:lstStyle/>
-          <a:p>
-            <a:r>
-              <a:rPr lang="en-US" sz="2400">
-                <a:latin typeface="Swell Braille" pitchFamily="49"/>
-              </a:rPr>
-              <a:t>⠵⠐⠕⠀⠷⠀⠉⠗⠑⠑⠏</a:t>
-            </a:r>
-          </a:p>
-        </p:txBody>
-      </p:sp>
-      <p:cxnSp>
-        <p:nvCxnSpPr>
-          <p:cNvPr id="20" name="Straight Connector 19">
-            <a:extLst>
-              <a:ext uri="{FF2B5EF4-FFF2-40B4-BE49-F238E27FC236}">
-                <a16:creationId xmlns:a16="http://schemas.microsoft.com/office/drawing/2014/main" id="{8E3B3255-92CA-3C4D-92E6-A4130CDC623A}"/>
-              </a:ext>
-            </a:extLst>
-          </p:cNvPr>
-          <p:cNvCxnSpPr>
-            <a:cxnSpLocks/>
-            <a:endCxn id="13" idx="1"/>
-          </p:cNvCxnSpPr>
-          <p:nvPr/>
-        </p:nvCxnSpPr>
-        <p:spPr>
-          <a:xfrm flipV="1">
-            <a:off x="4720856" y="2931506"/>
-            <a:ext cx="574158" cy="577240"/>
-          </a:xfrm>
-          <a:prstGeom prst="line">
-            <a:avLst/>
-          </a:prstGeom>
-          <a:ln w="19050">
-            <a:solidFill>
-              <a:schemeClr val="tx1"/>
-            </a:solidFill>
-          </a:ln>
-        </p:spPr>
-        <p:style>
-          <a:lnRef idx="1">
-            <a:schemeClr val="accent1"/>
-          </a:lnRef>
-          <a:fillRef idx="0">
-            <a:schemeClr val="accent1"/>
-          </a:fillRef>
-          <a:effectRef idx="0">
-            <a:schemeClr val="accent1"/>
-          </a:effectRef>
-          <a:fontRef idx="minor">
-            <a:schemeClr val="tx1"/>
-          </a:fontRef>
-        </p:style>
-      </p:cxnSp>
-      <p:sp>
-        <p:nvSpPr>
-          <p:cNvPr id="2" name="Right Arrow 1">
-            <a:extLst>
-              <a:ext uri="{FF2B5EF4-FFF2-40B4-BE49-F238E27FC236}">
-                <a16:creationId xmlns:a16="http://schemas.microsoft.com/office/drawing/2014/main" id="{5B5087B7-01FF-5340-9684-0859B60A133A}"/>
+                <a16:creationId xmlns:a16="http://schemas.microsoft.com/office/drawing/2014/main" id="{944399E7-8F0F-4F4D-95D2-64805EF11E3B}"/>
               </a:ext>
             </a:extLst>
           </p:cNvPr>
@@ -4394,10 +4927,10 @@
       </p:sp>
       <p:sp>
         <p:nvSpPr>
-          <p:cNvPr id="17" name="Right Arrow 16">
+          <p:cNvPr id="15" name="Freeform 14">
             <a:extLst>
               <a:ext uri="{FF2B5EF4-FFF2-40B4-BE49-F238E27FC236}">
-                <a16:creationId xmlns:a16="http://schemas.microsoft.com/office/drawing/2014/main" id="{F4A4B0DA-2DB2-9F43-8AD8-47FE0548627C}"/>
+                <a16:creationId xmlns:a16="http://schemas.microsoft.com/office/drawing/2014/main" id="{90B6BD30-FE14-7144-8FEC-E0DE16E256C6}"/>
               </a:ext>
             </a:extLst>
           </p:cNvPr>
@@ -4405,11 +4938,522 @@
           <p:nvPr/>
         </p:nvSpPr>
         <p:spPr>
-          <a:xfrm rot="1173132">
-            <a:off x="4788194" y="3512286"/>
+          <a:xfrm>
+            <a:off x="563526" y="2541182"/>
+            <a:ext cx="8070111" cy="2596896"/>
+          </a:xfrm>
+          <a:custGeom>
+            <a:avLst/>
+            <a:gdLst>
+              <a:gd name="connsiteX0" fmla="*/ 0 w 8070111"/>
+              <a:gd name="connsiteY0" fmla="*/ 0 h 2594344"/>
+              <a:gd name="connsiteX1" fmla="*/ 574158 w 8070111"/>
+              <a:gd name="connsiteY1" fmla="*/ 85061 h 2594344"/>
+              <a:gd name="connsiteX2" fmla="*/ 797441 w 8070111"/>
+              <a:gd name="connsiteY2" fmla="*/ 170121 h 2594344"/>
+              <a:gd name="connsiteX3" fmla="*/ 1286539 w 8070111"/>
+              <a:gd name="connsiteY3" fmla="*/ 202019 h 2594344"/>
+              <a:gd name="connsiteX4" fmla="*/ 1765004 w 8070111"/>
+              <a:gd name="connsiteY4" fmla="*/ 318977 h 2594344"/>
+              <a:gd name="connsiteX5" fmla="*/ 2339162 w 8070111"/>
+              <a:gd name="connsiteY5" fmla="*/ 425303 h 2594344"/>
+              <a:gd name="connsiteX6" fmla="*/ 2987748 w 8070111"/>
+              <a:gd name="connsiteY6" fmla="*/ 659219 h 2594344"/>
+              <a:gd name="connsiteX7" fmla="*/ 3859618 w 8070111"/>
+              <a:gd name="connsiteY7" fmla="*/ 925033 h 2594344"/>
+              <a:gd name="connsiteX8" fmla="*/ 4369981 w 8070111"/>
+              <a:gd name="connsiteY8" fmla="*/ 1041991 h 2594344"/>
+              <a:gd name="connsiteX9" fmla="*/ 5178055 w 8070111"/>
+              <a:gd name="connsiteY9" fmla="*/ 1307805 h 2594344"/>
+              <a:gd name="connsiteX10" fmla="*/ 6103088 w 8070111"/>
+              <a:gd name="connsiteY10" fmla="*/ 1626782 h 2594344"/>
+              <a:gd name="connsiteX11" fmla="*/ 6517758 w 8070111"/>
+              <a:gd name="connsiteY11" fmla="*/ 1733107 h 2594344"/>
+              <a:gd name="connsiteX12" fmla="*/ 6422065 w 8070111"/>
+              <a:gd name="connsiteY12" fmla="*/ 2147777 h 2594344"/>
+              <a:gd name="connsiteX13" fmla="*/ 6570921 w 8070111"/>
+              <a:gd name="connsiteY13" fmla="*/ 2200940 h 2594344"/>
+              <a:gd name="connsiteX14" fmla="*/ 6634716 w 8070111"/>
+              <a:gd name="connsiteY14" fmla="*/ 2062717 h 2594344"/>
+              <a:gd name="connsiteX15" fmla="*/ 8059479 w 8070111"/>
+              <a:gd name="connsiteY15" fmla="*/ 2083982 h 2594344"/>
+              <a:gd name="connsiteX16" fmla="*/ 8070111 w 8070111"/>
+              <a:gd name="connsiteY16" fmla="*/ 2594344 h 2594344"/>
+              <a:gd name="connsiteX17" fmla="*/ 7049386 w 8070111"/>
+              <a:gd name="connsiteY17" fmla="*/ 2583712 h 2594344"/>
+              <a:gd name="connsiteX18" fmla="*/ 6624083 w 8070111"/>
+              <a:gd name="connsiteY18" fmla="*/ 2562447 h 2594344"/>
+              <a:gd name="connsiteX19" fmla="*/ 6305107 w 8070111"/>
+              <a:gd name="connsiteY19" fmla="*/ 2339163 h 2594344"/>
+              <a:gd name="connsiteX20" fmla="*/ 6198781 w 8070111"/>
+              <a:gd name="connsiteY20" fmla="*/ 2094614 h 2594344"/>
+              <a:gd name="connsiteX21" fmla="*/ 6113721 w 8070111"/>
+              <a:gd name="connsiteY21" fmla="*/ 2211572 h 2594344"/>
+              <a:gd name="connsiteX22" fmla="*/ 5380074 w 8070111"/>
+              <a:gd name="connsiteY22" fmla="*/ 1935126 h 2594344"/>
+              <a:gd name="connsiteX23" fmla="*/ 4795283 w 8070111"/>
+              <a:gd name="connsiteY23" fmla="*/ 1605517 h 2594344"/>
+              <a:gd name="connsiteX24" fmla="*/ 4210493 w 8070111"/>
+              <a:gd name="connsiteY24" fmla="*/ 1520456 h 2594344"/>
+              <a:gd name="connsiteX25" fmla="*/ 3317358 w 8070111"/>
+              <a:gd name="connsiteY25" fmla="*/ 1180214 h 2594344"/>
+              <a:gd name="connsiteX26" fmla="*/ 3572539 w 8070111"/>
+              <a:gd name="connsiteY26" fmla="*/ 1158949 h 2594344"/>
+              <a:gd name="connsiteX27" fmla="*/ 3530009 w 8070111"/>
+              <a:gd name="connsiteY27" fmla="*/ 1010093 h 2594344"/>
+              <a:gd name="connsiteX28" fmla="*/ 3125972 w 8070111"/>
+              <a:gd name="connsiteY28" fmla="*/ 978196 h 2594344"/>
+              <a:gd name="connsiteX29" fmla="*/ 2785730 w 8070111"/>
+              <a:gd name="connsiteY29" fmla="*/ 1127051 h 2594344"/>
+              <a:gd name="connsiteX30" fmla="*/ 2147776 w 8070111"/>
+              <a:gd name="connsiteY30" fmla="*/ 839972 h 2594344"/>
+              <a:gd name="connsiteX31" fmla="*/ 2073348 w 8070111"/>
+              <a:gd name="connsiteY31" fmla="*/ 712382 h 2594344"/>
+              <a:gd name="connsiteX32" fmla="*/ 1881962 w 8070111"/>
+              <a:gd name="connsiteY32" fmla="*/ 680484 h 2594344"/>
+              <a:gd name="connsiteX33" fmla="*/ 1562986 w 8070111"/>
+              <a:gd name="connsiteY33" fmla="*/ 616689 h 2594344"/>
+              <a:gd name="connsiteX34" fmla="*/ 1275907 w 8070111"/>
+              <a:gd name="connsiteY34" fmla="*/ 712382 h 2594344"/>
+              <a:gd name="connsiteX35" fmla="*/ 616688 w 8070111"/>
+              <a:gd name="connsiteY35" fmla="*/ 552893 h 2594344"/>
+              <a:gd name="connsiteX36" fmla="*/ 31897 w 8070111"/>
+              <a:gd name="connsiteY36" fmla="*/ 499731 h 2594344"/>
+              <a:gd name="connsiteX37" fmla="*/ 0 w 8070111"/>
+              <a:gd name="connsiteY37" fmla="*/ 0 h 2594344"/>
+            </a:gdLst>
+            <a:ahLst/>
+            <a:cxnLst>
+              <a:cxn ang="0">
+                <a:pos x="connsiteX0" y="connsiteY0"/>
+              </a:cxn>
+              <a:cxn ang="0">
+                <a:pos x="connsiteX1" y="connsiteY1"/>
+              </a:cxn>
+              <a:cxn ang="0">
+                <a:pos x="connsiteX2" y="connsiteY2"/>
+              </a:cxn>
+              <a:cxn ang="0">
+                <a:pos x="connsiteX3" y="connsiteY3"/>
+              </a:cxn>
+              <a:cxn ang="0">
+                <a:pos x="connsiteX4" y="connsiteY4"/>
+              </a:cxn>
+              <a:cxn ang="0">
+                <a:pos x="connsiteX5" y="connsiteY5"/>
+              </a:cxn>
+              <a:cxn ang="0">
+                <a:pos x="connsiteX6" y="connsiteY6"/>
+              </a:cxn>
+              <a:cxn ang="0">
+                <a:pos x="connsiteX7" y="connsiteY7"/>
+              </a:cxn>
+              <a:cxn ang="0">
+                <a:pos x="connsiteX8" y="connsiteY8"/>
+              </a:cxn>
+              <a:cxn ang="0">
+                <a:pos x="connsiteX9" y="connsiteY9"/>
+              </a:cxn>
+              <a:cxn ang="0">
+                <a:pos x="connsiteX10" y="connsiteY10"/>
+              </a:cxn>
+              <a:cxn ang="0">
+                <a:pos x="connsiteX11" y="connsiteY11"/>
+              </a:cxn>
+              <a:cxn ang="0">
+                <a:pos x="connsiteX12" y="connsiteY12"/>
+              </a:cxn>
+              <a:cxn ang="0">
+                <a:pos x="connsiteX13" y="connsiteY13"/>
+              </a:cxn>
+              <a:cxn ang="0">
+                <a:pos x="connsiteX14" y="connsiteY14"/>
+              </a:cxn>
+              <a:cxn ang="0">
+                <a:pos x="connsiteX15" y="connsiteY15"/>
+              </a:cxn>
+              <a:cxn ang="0">
+                <a:pos x="connsiteX16" y="connsiteY16"/>
+              </a:cxn>
+              <a:cxn ang="0">
+                <a:pos x="connsiteX17" y="connsiteY17"/>
+              </a:cxn>
+              <a:cxn ang="0">
+                <a:pos x="connsiteX18" y="connsiteY18"/>
+              </a:cxn>
+              <a:cxn ang="0">
+                <a:pos x="connsiteX19" y="connsiteY19"/>
+              </a:cxn>
+              <a:cxn ang="0">
+                <a:pos x="connsiteX20" y="connsiteY20"/>
+              </a:cxn>
+              <a:cxn ang="0">
+                <a:pos x="connsiteX21" y="connsiteY21"/>
+              </a:cxn>
+              <a:cxn ang="0">
+                <a:pos x="connsiteX22" y="connsiteY22"/>
+              </a:cxn>
+              <a:cxn ang="0">
+                <a:pos x="connsiteX23" y="connsiteY23"/>
+              </a:cxn>
+              <a:cxn ang="0">
+                <a:pos x="connsiteX24" y="connsiteY24"/>
+              </a:cxn>
+              <a:cxn ang="0">
+                <a:pos x="connsiteX25" y="connsiteY25"/>
+              </a:cxn>
+              <a:cxn ang="0">
+                <a:pos x="connsiteX26" y="connsiteY26"/>
+              </a:cxn>
+              <a:cxn ang="0">
+                <a:pos x="connsiteX27" y="connsiteY27"/>
+              </a:cxn>
+              <a:cxn ang="0">
+                <a:pos x="connsiteX28" y="connsiteY28"/>
+              </a:cxn>
+              <a:cxn ang="0">
+                <a:pos x="connsiteX29" y="connsiteY29"/>
+              </a:cxn>
+              <a:cxn ang="0">
+                <a:pos x="connsiteX30" y="connsiteY30"/>
+              </a:cxn>
+              <a:cxn ang="0">
+                <a:pos x="connsiteX31" y="connsiteY31"/>
+              </a:cxn>
+              <a:cxn ang="0">
+                <a:pos x="connsiteX32" y="connsiteY32"/>
+              </a:cxn>
+              <a:cxn ang="0">
+                <a:pos x="connsiteX33" y="connsiteY33"/>
+              </a:cxn>
+              <a:cxn ang="0">
+                <a:pos x="connsiteX34" y="connsiteY34"/>
+              </a:cxn>
+              <a:cxn ang="0">
+                <a:pos x="connsiteX35" y="connsiteY35"/>
+              </a:cxn>
+              <a:cxn ang="0">
+                <a:pos x="connsiteX36" y="connsiteY36"/>
+              </a:cxn>
+              <a:cxn ang="0">
+                <a:pos x="connsiteX37" y="connsiteY37"/>
+              </a:cxn>
+            </a:cxnLst>
+            <a:rect l="l" t="t" r="r" b="b"/>
+            <a:pathLst>
+              <a:path w="8070111" h="2594344">
+                <a:moveTo>
+                  <a:pt x="0" y="0"/>
+                </a:moveTo>
+                <a:lnTo>
+                  <a:pt x="574158" y="85061"/>
+                </a:lnTo>
+                <a:lnTo>
+                  <a:pt x="797441" y="170121"/>
+                </a:lnTo>
+                <a:lnTo>
+                  <a:pt x="1286539" y="202019"/>
+                </a:lnTo>
+                <a:lnTo>
+                  <a:pt x="1765004" y="318977"/>
+                </a:lnTo>
+                <a:lnTo>
+                  <a:pt x="2339162" y="425303"/>
+                </a:lnTo>
+                <a:lnTo>
+                  <a:pt x="2987748" y="659219"/>
+                </a:lnTo>
+                <a:lnTo>
+                  <a:pt x="3859618" y="925033"/>
+                </a:lnTo>
+                <a:lnTo>
+                  <a:pt x="4369981" y="1041991"/>
+                </a:lnTo>
+                <a:lnTo>
+                  <a:pt x="5178055" y="1307805"/>
+                </a:lnTo>
+                <a:lnTo>
+                  <a:pt x="6103088" y="1626782"/>
+                </a:lnTo>
+                <a:lnTo>
+                  <a:pt x="6517758" y="1733107"/>
+                </a:lnTo>
+                <a:lnTo>
+                  <a:pt x="6422065" y="2147777"/>
+                </a:lnTo>
+                <a:lnTo>
+                  <a:pt x="6570921" y="2200940"/>
+                </a:lnTo>
+                <a:lnTo>
+                  <a:pt x="6634716" y="2062717"/>
+                </a:lnTo>
+                <a:lnTo>
+                  <a:pt x="8059479" y="2083982"/>
+                </a:lnTo>
+                <a:lnTo>
+                  <a:pt x="8070111" y="2594344"/>
+                </a:lnTo>
+                <a:lnTo>
+                  <a:pt x="7049386" y="2583712"/>
+                </a:lnTo>
+                <a:lnTo>
+                  <a:pt x="6624083" y="2562447"/>
+                </a:lnTo>
+                <a:lnTo>
+                  <a:pt x="6305107" y="2339163"/>
+                </a:lnTo>
+                <a:lnTo>
+                  <a:pt x="6198781" y="2094614"/>
+                </a:lnTo>
+                <a:lnTo>
+                  <a:pt x="6113721" y="2211572"/>
+                </a:lnTo>
+                <a:lnTo>
+                  <a:pt x="5380074" y="1935126"/>
+                </a:lnTo>
+                <a:lnTo>
+                  <a:pt x="4795283" y="1605517"/>
+                </a:lnTo>
+                <a:lnTo>
+                  <a:pt x="4210493" y="1520456"/>
+                </a:lnTo>
+                <a:lnTo>
+                  <a:pt x="3317358" y="1180214"/>
+                </a:lnTo>
+                <a:lnTo>
+                  <a:pt x="3572539" y="1158949"/>
+                </a:lnTo>
+                <a:lnTo>
+                  <a:pt x="3530009" y="1010093"/>
+                </a:lnTo>
+                <a:lnTo>
+                  <a:pt x="3125972" y="978196"/>
+                </a:lnTo>
+                <a:lnTo>
+                  <a:pt x="2785730" y="1127051"/>
+                </a:lnTo>
+                <a:lnTo>
+                  <a:pt x="2147776" y="839972"/>
+                </a:lnTo>
+                <a:lnTo>
+                  <a:pt x="2073348" y="712382"/>
+                </a:lnTo>
+                <a:lnTo>
+                  <a:pt x="1881962" y="680484"/>
+                </a:lnTo>
+                <a:lnTo>
+                  <a:pt x="1562986" y="616689"/>
+                </a:lnTo>
+                <a:lnTo>
+                  <a:pt x="1275907" y="712382"/>
+                </a:lnTo>
+                <a:lnTo>
+                  <a:pt x="616688" y="552893"/>
+                </a:lnTo>
+                <a:lnTo>
+                  <a:pt x="31897" y="499731"/>
+                </a:lnTo>
+                <a:lnTo>
+                  <a:pt x="0" y="0"/>
+                </a:lnTo>
+                <a:close/>
+              </a:path>
+            </a:pathLst>
+          </a:custGeom>
+          <a:pattFill prst="pct5">
+            <a:fgClr>
+              <a:schemeClr val="tx1"/>
+            </a:fgClr>
+            <a:bgClr>
+              <a:schemeClr val="bg1"/>
+            </a:bgClr>
+          </a:pattFill>
+          <a:ln>
+            <a:noFill/>
+          </a:ln>
+        </p:spPr>
+        <p:style>
+          <a:lnRef idx="2">
+            <a:schemeClr val="accent1">
+              <a:shade val="50000"/>
+            </a:schemeClr>
+          </a:lnRef>
+          <a:fillRef idx="1">
+            <a:schemeClr val="accent1"/>
+          </a:fillRef>
+          <a:effectRef idx="0">
+            <a:schemeClr val="accent1"/>
+          </a:effectRef>
+          <a:fontRef idx="minor">
+            <a:schemeClr val="lt1"/>
+          </a:fontRef>
+        </p:style>
+        <p:txBody>
+          <a:bodyPr rtlCol="0" anchor="ctr"/>
+          <a:lstStyle/>
+          <a:p>
+            <a:pPr algn="ctr"/>
+            <a:endParaRPr lang="en-US"/>
+          </a:p>
+        </p:txBody>
+      </p:sp>
+      <p:cxnSp>
+        <p:nvCxnSpPr>
+          <p:cNvPr id="16" name="Straight Connector 15">
+            <a:extLst>
+              <a:ext uri="{FF2B5EF4-FFF2-40B4-BE49-F238E27FC236}">
+                <a16:creationId xmlns:a16="http://schemas.microsoft.com/office/drawing/2014/main" id="{78D19791-5510-8C46-B294-BE5F504CCDCA}"/>
+              </a:ext>
+            </a:extLst>
+          </p:cNvPr>
+          <p:cNvCxnSpPr>
+            <a:cxnSpLocks/>
+          </p:cNvCxnSpPr>
+          <p:nvPr/>
+        </p:nvCxnSpPr>
+        <p:spPr>
+          <a:xfrm flipV="1">
+            <a:off x="5847907" y="3508744"/>
+            <a:ext cx="223284" cy="563526"/>
+          </a:xfrm>
+          <a:prstGeom prst="line">
+            <a:avLst/>
+          </a:prstGeom>
+          <a:ln w="19050">
+            <a:solidFill>
+              <a:schemeClr val="tx1"/>
+            </a:solidFill>
+          </a:ln>
+        </p:spPr>
+        <p:style>
+          <a:lnRef idx="1">
+            <a:schemeClr val="accent1"/>
+          </a:lnRef>
+          <a:fillRef idx="0">
+            <a:schemeClr val="accent1"/>
+          </a:fillRef>
+          <a:effectRef idx="0">
+            <a:schemeClr val="accent1"/>
+          </a:effectRef>
+          <a:fontRef idx="minor">
+            <a:schemeClr val="tx1"/>
+          </a:fontRef>
+        </p:style>
+      </p:cxnSp>
+      <p:sp>
+        <p:nvSpPr>
+          <p:cNvPr id="20" name="Right Arrow 19">
+            <a:extLst>
+              <a:ext uri="{FF2B5EF4-FFF2-40B4-BE49-F238E27FC236}">
+                <a16:creationId xmlns:a16="http://schemas.microsoft.com/office/drawing/2014/main" id="{9DBD627F-50E0-1A4F-AAAA-2FA45A0A1496}"/>
+              </a:ext>
+            </a:extLst>
+          </p:cNvPr>
+          <p:cNvSpPr/>
+          <p:nvPr/>
+        </p:nvSpPr>
+        <p:spPr>
+          <a:xfrm rot="1133820">
+            <a:off x="2789273" y="3129518"/>
             <a:ext cx="648586" cy="276447"/>
           </a:xfrm>
           <a:prstGeom prst="rightArrow">
+            <a:avLst>
+              <a:gd name="adj1" fmla="val 21085"/>
+              <a:gd name="adj2" fmla="val 67605"/>
+            </a:avLst>
+          </a:prstGeom>
+          <a:solidFill>
+            <a:schemeClr val="tx1"/>
+          </a:solidFill>
+          <a:ln>
+            <a:noFill/>
+          </a:ln>
+        </p:spPr>
+        <p:style>
+          <a:lnRef idx="2">
+            <a:schemeClr val="accent1">
+              <a:shade val="50000"/>
+            </a:schemeClr>
+          </a:lnRef>
+          <a:fillRef idx="1">
+            <a:schemeClr val="accent1"/>
+          </a:fillRef>
+          <a:effectRef idx="0">
+            <a:schemeClr val="accent1"/>
+          </a:effectRef>
+          <a:fontRef idx="minor">
+            <a:schemeClr val="lt1"/>
+          </a:fontRef>
+        </p:style>
+        <p:txBody>
+          <a:bodyPr rtlCol="0" anchor="ctr"/>
+          <a:lstStyle/>
+          <a:p>
+            <a:pPr algn="ctr"/>
+            <a:endParaRPr lang="en-US"/>
+          </a:p>
+        </p:txBody>
+      </p:sp>
+      <p:cxnSp>
+        <p:nvCxnSpPr>
+          <p:cNvPr id="14" name="Straight Connector 13">
+            <a:extLst>
+              <a:ext uri="{FF2B5EF4-FFF2-40B4-BE49-F238E27FC236}">
+                <a16:creationId xmlns:a16="http://schemas.microsoft.com/office/drawing/2014/main" id="{8999FF0B-27BC-FA4F-94DB-AF5CB166872D}"/>
+              </a:ext>
+            </a:extLst>
+          </p:cNvPr>
+          <p:cNvCxnSpPr/>
+          <p:nvPr/>
+        </p:nvCxnSpPr>
+        <p:spPr>
+          <a:xfrm>
+            <a:off x="563526" y="2498651"/>
+            <a:ext cx="0" cy="3636335"/>
+          </a:xfrm>
+          <a:prstGeom prst="line">
+            <a:avLst/>
+          </a:prstGeom>
+          <a:ln w="38100">
+            <a:solidFill>
+              <a:schemeClr val="tx1"/>
+            </a:solidFill>
+          </a:ln>
+        </p:spPr>
+        <p:style>
+          <a:lnRef idx="1">
+            <a:schemeClr val="accent1"/>
+          </a:lnRef>
+          <a:fillRef idx="0">
+            <a:schemeClr val="accent1"/>
+          </a:fillRef>
+          <a:effectRef idx="0">
+            <a:schemeClr val="accent1"/>
+          </a:effectRef>
+          <a:fontRef idx="minor">
+            <a:schemeClr val="tx1"/>
+          </a:fontRef>
+        </p:style>
+      </p:cxnSp>
+      <p:sp>
+        <p:nvSpPr>
+          <p:cNvPr id="21" name="Rectangle 20">
+            <a:extLst>
+              <a:ext uri="{FF2B5EF4-FFF2-40B4-BE49-F238E27FC236}">
+                <a16:creationId xmlns:a16="http://schemas.microsoft.com/office/drawing/2014/main" id="{A17D6F70-E0F3-F74A-A41E-FA9DA976E732}"/>
+              </a:ext>
+            </a:extLst>
+          </p:cNvPr>
+          <p:cNvSpPr/>
+          <p:nvPr/>
+        </p:nvSpPr>
+        <p:spPr>
+          <a:xfrm rot="970182">
+            <a:off x="7069767" y="3833933"/>
+            <a:ext cx="236004" cy="978195"/>
+          </a:xfrm>
+          <a:prstGeom prst="rect">
             <a:avLst/>
           </a:prstGeom>
           <a:solidFill>
@@ -4446,10 +5490,10 @@
       </p:sp>
       <p:sp>
         <p:nvSpPr>
-          <p:cNvPr id="18" name="Right Arrow 17">
+          <p:cNvPr id="25" name="Rectangle 24">
             <a:extLst>
               <a:ext uri="{FF2B5EF4-FFF2-40B4-BE49-F238E27FC236}">
-                <a16:creationId xmlns:a16="http://schemas.microsoft.com/office/drawing/2014/main" id="{FC7A2B62-44FA-C443-BDDF-F8376E6921CC}"/>
+                <a16:creationId xmlns:a16="http://schemas.microsoft.com/office/drawing/2014/main" id="{9A0688A4-3BA7-1041-91DA-4CE3F98614D4}"/>
               </a:ext>
             </a:extLst>
           </p:cNvPr>
@@ -4457,11 +5501,11 @@
           <p:nvPr/>
         </p:nvSpPr>
         <p:spPr>
-          <a:xfrm rot="1133820">
-            <a:off x="2842437" y="2970028"/>
-            <a:ext cx="648586" cy="276447"/>
-          </a:xfrm>
-          <a:prstGeom prst="rightArrow">
+          <a:xfrm rot="1457062">
+            <a:off x="1848798" y="2304245"/>
+            <a:ext cx="171368" cy="559010"/>
+          </a:xfrm>
+          <a:prstGeom prst="rect">
             <a:avLst/>
           </a:prstGeom>
           <a:solidFill>
@@ -4496,10 +5540,671 @@
           </a:p>
         </p:txBody>
       </p:sp>
+      <p:sp>
+        <p:nvSpPr>
+          <p:cNvPr id="26" name="Rectangle 25">
+            <a:extLst>
+              <a:ext uri="{FF2B5EF4-FFF2-40B4-BE49-F238E27FC236}">
+                <a16:creationId xmlns:a16="http://schemas.microsoft.com/office/drawing/2014/main" id="{B64BDA4E-7CF9-234B-933F-D00C1830BD48}"/>
+              </a:ext>
+            </a:extLst>
+          </p:cNvPr>
+          <p:cNvSpPr/>
+          <p:nvPr/>
+        </p:nvSpPr>
+        <p:spPr>
+          <a:xfrm rot="6052230">
+            <a:off x="2320175" y="2499177"/>
+            <a:ext cx="171368" cy="559010"/>
+          </a:xfrm>
+          <a:prstGeom prst="rect">
+            <a:avLst/>
+          </a:prstGeom>
+          <a:solidFill>
+            <a:schemeClr val="tx1"/>
+          </a:solidFill>
+          <a:ln>
+            <a:noFill/>
+          </a:ln>
+        </p:spPr>
+        <p:style>
+          <a:lnRef idx="2">
+            <a:schemeClr val="accent1">
+              <a:shade val="50000"/>
+            </a:schemeClr>
+          </a:lnRef>
+          <a:fillRef idx="1">
+            <a:schemeClr val="accent1"/>
+          </a:fillRef>
+          <a:effectRef idx="0">
+            <a:schemeClr val="accent1"/>
+          </a:effectRef>
+          <a:fontRef idx="minor">
+            <a:schemeClr val="lt1"/>
+          </a:fontRef>
+        </p:style>
+        <p:txBody>
+          <a:bodyPr rtlCol="0" anchor="ctr"/>
+          <a:lstStyle/>
+          <a:p>
+            <a:pPr algn="ctr"/>
+            <a:endParaRPr lang="en-US"/>
+          </a:p>
+        </p:txBody>
+      </p:sp>
+      <p:sp>
+        <p:nvSpPr>
+          <p:cNvPr id="27" name="Rectangle 26">
+            <a:extLst>
+              <a:ext uri="{FF2B5EF4-FFF2-40B4-BE49-F238E27FC236}">
+                <a16:creationId xmlns:a16="http://schemas.microsoft.com/office/drawing/2014/main" id="{0E6F529D-34A9-DC43-A73F-467A40BB3F57}"/>
+              </a:ext>
+            </a:extLst>
+          </p:cNvPr>
+          <p:cNvSpPr/>
+          <p:nvPr/>
+        </p:nvSpPr>
+        <p:spPr>
+          <a:xfrm rot="2161399">
+            <a:off x="1313625" y="2236908"/>
+            <a:ext cx="171368" cy="559010"/>
+          </a:xfrm>
+          <a:prstGeom prst="rect">
+            <a:avLst/>
+          </a:prstGeom>
+          <a:solidFill>
+            <a:schemeClr val="tx1"/>
+          </a:solidFill>
+          <a:ln>
+            <a:noFill/>
+          </a:ln>
+        </p:spPr>
+        <p:style>
+          <a:lnRef idx="2">
+            <a:schemeClr val="accent1">
+              <a:shade val="50000"/>
+            </a:schemeClr>
+          </a:lnRef>
+          <a:fillRef idx="1">
+            <a:schemeClr val="accent1"/>
+          </a:fillRef>
+          <a:effectRef idx="0">
+            <a:schemeClr val="accent1"/>
+          </a:effectRef>
+          <a:fontRef idx="minor">
+            <a:schemeClr val="lt1"/>
+          </a:fontRef>
+        </p:style>
+        <p:txBody>
+          <a:bodyPr rtlCol="0" anchor="ctr"/>
+          <a:lstStyle/>
+          <a:p>
+            <a:pPr algn="ctr"/>
+            <a:endParaRPr lang="en-US"/>
+          </a:p>
+        </p:txBody>
+      </p:sp>
+      <p:sp>
+        <p:nvSpPr>
+          <p:cNvPr id="23" name="TextBox 22">
+            <a:extLst>
+              <a:ext uri="{FF2B5EF4-FFF2-40B4-BE49-F238E27FC236}">
+                <a16:creationId xmlns:a16="http://schemas.microsoft.com/office/drawing/2014/main" id="{86A72A08-F7BA-E740-BD77-F2974F3AA192}"/>
+              </a:ext>
+            </a:extLst>
+          </p:cNvPr>
+          <p:cNvSpPr txBox="1"/>
+          <p:nvPr/>
+        </p:nvSpPr>
+        <p:spPr>
+          <a:xfrm flipH="1">
+            <a:off x="2820466" y="382137"/>
+            <a:ext cx="3381153" cy="461665"/>
+          </a:xfrm>
+          <a:prstGeom prst="rect">
+            <a:avLst/>
+          </a:prstGeom>
+          <a:noFill/>
+          <a:ln w="22225">
+            <a:noFill/>
+          </a:ln>
+        </p:spPr>
+        <p:txBody>
+          <a:bodyPr wrap="square" rtlCol="0">
+            <a:spAutoFit/>
+          </a:bodyPr>
+          <a:lstStyle/>
+          <a:p>
+            <a:pPr algn="ctr"/>
+            <a:r>
+              <a:rPr lang="en-US" sz="2400">
+                <a:latin typeface="Swell Braille" pitchFamily="49"/>
+                <a:ea typeface="Braille Normal" charset="0"/>
+                <a:cs typeface="Braille Normal" charset="0"/>
+              </a:rPr>
+              <a:t>⠠⠉⠗⠑⠑⠏</a:t>
+            </a:r>
+          </a:p>
+        </p:txBody>
+      </p:sp>
+      <p:sp>
+        <p:nvSpPr>
+          <p:cNvPr id="24" name="TextBox 23">
+            <a:extLst>
+              <a:ext uri="{FF2B5EF4-FFF2-40B4-BE49-F238E27FC236}">
+                <a16:creationId xmlns:a16="http://schemas.microsoft.com/office/drawing/2014/main" id="{37CA9691-9A7C-7147-9FA7-DB1EDFE3A0EB}"/>
+              </a:ext>
+            </a:extLst>
+          </p:cNvPr>
+          <p:cNvSpPr txBox="1"/>
+          <p:nvPr/>
+        </p:nvSpPr>
+        <p:spPr>
+          <a:xfrm>
+            <a:off x="5582089" y="861240"/>
+            <a:ext cx="2635658" cy="830997"/>
+          </a:xfrm>
+          <a:prstGeom prst="rect">
+            <a:avLst/>
+          </a:prstGeom>
+          <a:noFill/>
+        </p:spPr>
+        <p:txBody>
+          <a:bodyPr wrap="none" rtlCol="0">
+            <a:spAutoFit/>
+          </a:bodyPr>
+          <a:lstStyle/>
+          <a:p>
+            <a:r>
+              <a:rPr lang="en-US" sz="2400">
+                <a:latin typeface="Swell Braille" pitchFamily="49"/>
+              </a:rPr>
+              <a:t>⠞⠗⠑⠑⠀⠾⠀</a:t>
+            </a:r>
+          </a:p>
+          <a:p>
+            <a:r>
+              <a:rPr lang="en-US" sz="2400">
+                <a:latin typeface="Swell Braille" pitchFamily="49"/>
+              </a:rPr>
+              <a:t>⠉⠥⠗⠧⠫⠀⠞⠗⠥⠝⠅</a:t>
+            </a:r>
+          </a:p>
+        </p:txBody>
+      </p:sp>
+      <p:sp>
+        <p:nvSpPr>
+          <p:cNvPr id="28" name="TextBox 27">
+            <a:extLst>
+              <a:ext uri="{FF2B5EF4-FFF2-40B4-BE49-F238E27FC236}">
+                <a16:creationId xmlns:a16="http://schemas.microsoft.com/office/drawing/2014/main" id="{1A5EFE98-02E5-6040-B2BD-D3D8BB93491C}"/>
+              </a:ext>
+            </a:extLst>
+          </p:cNvPr>
+          <p:cNvSpPr txBox="1"/>
+          <p:nvPr/>
+        </p:nvSpPr>
+        <p:spPr>
+          <a:xfrm>
+            <a:off x="7169881" y="2247017"/>
+            <a:ext cx="1878425" cy="1200329"/>
+          </a:xfrm>
+          <a:prstGeom prst="rect">
+            <a:avLst/>
+          </a:prstGeom>
+          <a:noFill/>
+        </p:spPr>
+        <p:txBody>
+          <a:bodyPr wrap="square" rtlCol="0">
+            <a:spAutoFit/>
+          </a:bodyPr>
+          <a:lstStyle/>
+          <a:p>
+            <a:r>
+              <a:rPr lang="en-US" sz="2400">
+                <a:latin typeface="Swell Braille" pitchFamily="49"/>
+              </a:rPr>
+              <a:t>⠇⠂⠝⠬⠀</a:t>
+            </a:r>
+          </a:p>
+          <a:p>
+            <a:r>
+              <a:rPr lang="en-US" sz="2400">
+                <a:latin typeface="Swell Braille" pitchFamily="49"/>
+              </a:rPr>
+              <a:t>⠗⠑⠞⠁⠔⠬⠀</a:t>
+            </a:r>
+          </a:p>
+          <a:p>
+            <a:r>
+              <a:rPr lang="en-US" sz="2400">
+                <a:latin typeface="Swell Braille" pitchFamily="49"/>
+              </a:rPr>
+              <a:t>⠺⠁⠇⠇</a:t>
+            </a:r>
+          </a:p>
+        </p:txBody>
+      </p:sp>
+      <p:sp>
+        <p:nvSpPr>
+          <p:cNvPr id="30" name="TextBox 29">
+            <a:extLst>
+              <a:ext uri="{FF2B5EF4-FFF2-40B4-BE49-F238E27FC236}">
+                <a16:creationId xmlns:a16="http://schemas.microsoft.com/office/drawing/2014/main" id="{8BB0DCCF-0ACC-2543-A025-0E783FC3B4F6}"/>
+              </a:ext>
+            </a:extLst>
+          </p:cNvPr>
+          <p:cNvSpPr txBox="1"/>
+          <p:nvPr/>
+        </p:nvSpPr>
+        <p:spPr>
+          <a:xfrm>
+            <a:off x="269355" y="886049"/>
+            <a:ext cx="3101166" cy="830997"/>
+          </a:xfrm>
+          <a:prstGeom prst="rect">
+            <a:avLst/>
+          </a:prstGeom>
+          <a:noFill/>
+        </p:spPr>
+        <p:txBody>
+          <a:bodyPr wrap="square" rtlCol="0">
+            <a:spAutoFit/>
+          </a:bodyPr>
+          <a:lstStyle/>
+          <a:p>
+            <a:r>
+              <a:rPr lang="en-US" sz="2400">
+                <a:latin typeface="Swell Braille" pitchFamily="49"/>
+              </a:rPr>
+              <a:t>⠇⠂⠝⠬⠀⠯⠀⠞⠕⠏⠏⠇⠫⠀⠛⠗⠁⠧⠑⠌⠐⠕⠎</a:t>
+            </a:r>
+          </a:p>
+        </p:txBody>
+      </p:sp>
+      <p:sp>
+        <p:nvSpPr>
+          <p:cNvPr id="31" name="TextBox 30">
+            <a:extLst>
+              <a:ext uri="{FF2B5EF4-FFF2-40B4-BE49-F238E27FC236}">
+                <a16:creationId xmlns:a16="http://schemas.microsoft.com/office/drawing/2014/main" id="{7FA4FA31-A4D9-7C4E-9C10-33918C3B7FB4}"/>
+              </a:ext>
+            </a:extLst>
+          </p:cNvPr>
+          <p:cNvSpPr txBox="1"/>
+          <p:nvPr/>
+        </p:nvSpPr>
+        <p:spPr>
+          <a:xfrm>
+            <a:off x="5720317" y="3040916"/>
+            <a:ext cx="1075936" cy="461665"/>
+          </a:xfrm>
+          <a:prstGeom prst="rect">
+            <a:avLst/>
+          </a:prstGeom>
+          <a:noFill/>
+        </p:spPr>
+        <p:txBody>
+          <a:bodyPr wrap="none" rtlCol="0">
+            <a:spAutoFit/>
+          </a:bodyPr>
+          <a:lstStyle/>
+          <a:p>
+            <a:r>
+              <a:rPr lang="en-US" sz="2400">
+                <a:latin typeface="Swell Braille" pitchFamily="49"/>
+              </a:rPr>
+              <a:t>soil</a:t>
+            </a:r>
+          </a:p>
+        </p:txBody>
+      </p:sp>
+      <p:cxnSp>
+        <p:nvCxnSpPr>
+          <p:cNvPr id="35" name="Straight Connector 34">
+            <a:extLst>
+              <a:ext uri="{FF2B5EF4-FFF2-40B4-BE49-F238E27FC236}">
+                <a16:creationId xmlns:a16="http://schemas.microsoft.com/office/drawing/2014/main" id="{7409EDFC-FE0D-2943-A32F-A905E16F232E}"/>
+              </a:ext>
+            </a:extLst>
+          </p:cNvPr>
+          <p:cNvCxnSpPr>
+            <a:cxnSpLocks/>
+          </p:cNvCxnSpPr>
+          <p:nvPr/>
+        </p:nvCxnSpPr>
+        <p:spPr>
+          <a:xfrm flipV="1">
+            <a:off x="6010939" y="1690577"/>
+            <a:ext cx="368596" cy="471378"/>
+          </a:xfrm>
+          <a:prstGeom prst="line">
+            <a:avLst/>
+          </a:prstGeom>
+          <a:ln w="19050">
+            <a:solidFill>
+              <a:schemeClr val="tx1"/>
+            </a:solidFill>
+          </a:ln>
+        </p:spPr>
+        <p:style>
+          <a:lnRef idx="1">
+            <a:schemeClr val="accent1"/>
+          </a:lnRef>
+          <a:fillRef idx="0">
+            <a:schemeClr val="accent1"/>
+          </a:fillRef>
+          <a:effectRef idx="0">
+            <a:schemeClr val="accent1"/>
+          </a:effectRef>
+          <a:fontRef idx="minor">
+            <a:schemeClr val="tx1"/>
+          </a:fontRef>
+        </p:style>
+      </p:cxnSp>
+      <p:cxnSp>
+        <p:nvCxnSpPr>
+          <p:cNvPr id="36" name="Straight Connector 35">
+            <a:extLst>
+              <a:ext uri="{FF2B5EF4-FFF2-40B4-BE49-F238E27FC236}">
+                <a16:creationId xmlns:a16="http://schemas.microsoft.com/office/drawing/2014/main" id="{CF5CC2D8-07A6-874E-A026-277A785E7189}"/>
+              </a:ext>
+            </a:extLst>
+          </p:cNvPr>
+          <p:cNvCxnSpPr>
+            <a:cxnSpLocks/>
+          </p:cNvCxnSpPr>
+          <p:nvPr/>
+        </p:nvCxnSpPr>
+        <p:spPr>
+          <a:xfrm flipV="1">
+            <a:off x="7371906" y="3402419"/>
+            <a:ext cx="187843" cy="428848"/>
+          </a:xfrm>
+          <a:prstGeom prst="line">
+            <a:avLst/>
+          </a:prstGeom>
+          <a:ln w="19050">
+            <a:solidFill>
+              <a:schemeClr val="tx1"/>
+            </a:solidFill>
+          </a:ln>
+        </p:spPr>
+        <p:style>
+          <a:lnRef idx="1">
+            <a:schemeClr val="accent1"/>
+          </a:lnRef>
+          <a:fillRef idx="0">
+            <a:schemeClr val="accent1"/>
+          </a:fillRef>
+          <a:effectRef idx="0">
+            <a:schemeClr val="accent1"/>
+          </a:effectRef>
+          <a:fontRef idx="minor">
+            <a:schemeClr val="tx1"/>
+          </a:fontRef>
+        </p:style>
+      </p:cxnSp>
+      <p:cxnSp>
+        <p:nvCxnSpPr>
+          <p:cNvPr id="37" name="Straight Connector 36">
+            <a:extLst>
+              <a:ext uri="{FF2B5EF4-FFF2-40B4-BE49-F238E27FC236}">
+                <a16:creationId xmlns:a16="http://schemas.microsoft.com/office/drawing/2014/main" id="{23E9FAB9-64F0-8F4E-A931-E28EDDD7C01C}"/>
+              </a:ext>
+            </a:extLst>
+          </p:cNvPr>
+          <p:cNvCxnSpPr>
+            <a:cxnSpLocks/>
+            <a:endCxn id="30" idx="2"/>
+          </p:cNvCxnSpPr>
+          <p:nvPr/>
+        </p:nvCxnSpPr>
+        <p:spPr>
+          <a:xfrm flipV="1">
+            <a:off x="1690577" y="1717046"/>
+            <a:ext cx="129361" cy="547689"/>
+          </a:xfrm>
+          <a:prstGeom prst="line">
+            <a:avLst/>
+          </a:prstGeom>
+          <a:ln w="19050">
+            <a:solidFill>
+              <a:schemeClr val="tx1"/>
+            </a:solidFill>
+          </a:ln>
+        </p:spPr>
+        <p:style>
+          <a:lnRef idx="1">
+            <a:schemeClr val="accent1"/>
+          </a:lnRef>
+          <a:fillRef idx="0">
+            <a:schemeClr val="accent1"/>
+          </a:fillRef>
+          <a:effectRef idx="0">
+            <a:schemeClr val="accent1"/>
+          </a:effectRef>
+          <a:fontRef idx="minor">
+            <a:schemeClr val="tx1"/>
+          </a:fontRef>
+        </p:style>
+      </p:cxnSp>
+      <p:sp>
+        <p:nvSpPr>
+          <p:cNvPr id="42" name="Right Arrow 41">
+            <a:extLst>
+              <a:ext uri="{FF2B5EF4-FFF2-40B4-BE49-F238E27FC236}">
+                <a16:creationId xmlns:a16="http://schemas.microsoft.com/office/drawing/2014/main" id="{E92CF9B2-39A9-D94B-ADF8-0937F1FCAFDB}"/>
+              </a:ext>
+            </a:extLst>
+          </p:cNvPr>
+          <p:cNvSpPr/>
+          <p:nvPr/>
+        </p:nvSpPr>
+        <p:spPr>
+          <a:xfrm rot="1133820">
+            <a:off x="4494023" y="3696588"/>
+            <a:ext cx="648586" cy="276447"/>
+          </a:xfrm>
+          <a:prstGeom prst="rightArrow">
+            <a:avLst>
+              <a:gd name="adj1" fmla="val 21085"/>
+              <a:gd name="adj2" fmla="val 67605"/>
+            </a:avLst>
+          </a:prstGeom>
+          <a:solidFill>
+            <a:schemeClr val="tx1"/>
+          </a:solidFill>
+          <a:ln>
+            <a:noFill/>
+          </a:ln>
+        </p:spPr>
+        <p:style>
+          <a:lnRef idx="2">
+            <a:schemeClr val="accent1">
+              <a:shade val="50000"/>
+            </a:schemeClr>
+          </a:lnRef>
+          <a:fillRef idx="1">
+            <a:schemeClr val="accent1"/>
+          </a:fillRef>
+          <a:effectRef idx="0">
+            <a:schemeClr val="accent1"/>
+          </a:effectRef>
+          <a:fontRef idx="minor">
+            <a:schemeClr val="lt1"/>
+          </a:fontRef>
+        </p:style>
+        <p:txBody>
+          <a:bodyPr rtlCol="0" anchor="ctr"/>
+          <a:lstStyle/>
+          <a:p>
+            <a:pPr algn="ctr"/>
+            <a:endParaRPr lang="en-US"/>
+          </a:p>
+        </p:txBody>
+      </p:sp>
+      <p:sp>
+        <p:nvSpPr>
+          <p:cNvPr id="43" name="Right Arrow 42">
+            <a:extLst>
+              <a:ext uri="{FF2B5EF4-FFF2-40B4-BE49-F238E27FC236}">
+                <a16:creationId xmlns:a16="http://schemas.microsoft.com/office/drawing/2014/main" id="{278B39E7-83F2-9D42-8ED9-C9157902B475}"/>
+              </a:ext>
+            </a:extLst>
+          </p:cNvPr>
+          <p:cNvSpPr/>
+          <p:nvPr/>
+        </p:nvSpPr>
+        <p:spPr>
+          <a:xfrm rot="516043">
+            <a:off x="1060427" y="2852326"/>
+            <a:ext cx="622106" cy="276447"/>
+          </a:xfrm>
+          <a:prstGeom prst="rightArrow">
+            <a:avLst>
+              <a:gd name="adj1" fmla="val 21085"/>
+              <a:gd name="adj2" fmla="val 67605"/>
+            </a:avLst>
+          </a:prstGeom>
+          <a:solidFill>
+            <a:schemeClr val="tx1"/>
+          </a:solidFill>
+          <a:ln>
+            <a:noFill/>
+          </a:ln>
+        </p:spPr>
+        <p:style>
+          <a:lnRef idx="2">
+            <a:schemeClr val="accent1">
+              <a:shade val="50000"/>
+            </a:schemeClr>
+          </a:lnRef>
+          <a:fillRef idx="1">
+            <a:schemeClr val="accent1"/>
+          </a:fillRef>
+          <a:effectRef idx="0">
+            <a:schemeClr val="accent1"/>
+          </a:effectRef>
+          <a:fontRef idx="minor">
+            <a:schemeClr val="lt1"/>
+          </a:fontRef>
+        </p:style>
+        <p:txBody>
+          <a:bodyPr rtlCol="0" anchor="ctr"/>
+          <a:lstStyle/>
+          <a:p>
+            <a:pPr algn="ctr"/>
+            <a:endParaRPr lang="en-US"/>
+          </a:p>
+        </p:txBody>
+      </p:sp>
+      <p:sp>
+        <p:nvSpPr>
+          <p:cNvPr id="44" name="Right Arrow 43">
+            <a:extLst>
+              <a:ext uri="{FF2B5EF4-FFF2-40B4-BE49-F238E27FC236}">
+                <a16:creationId xmlns:a16="http://schemas.microsoft.com/office/drawing/2014/main" id="{80391E9E-86FF-1041-B9F7-98948948465A}"/>
+              </a:ext>
+            </a:extLst>
+          </p:cNvPr>
+          <p:cNvSpPr/>
+          <p:nvPr/>
+        </p:nvSpPr>
+        <p:spPr>
+          <a:xfrm rot="1133820">
+            <a:off x="6156246" y="4231760"/>
+            <a:ext cx="648586" cy="276447"/>
+          </a:xfrm>
+          <a:prstGeom prst="rightArrow">
+            <a:avLst>
+              <a:gd name="adj1" fmla="val 21085"/>
+              <a:gd name="adj2" fmla="val 67605"/>
+            </a:avLst>
+          </a:prstGeom>
+          <a:solidFill>
+            <a:schemeClr val="tx1"/>
+          </a:solidFill>
+          <a:ln>
+            <a:noFill/>
+          </a:ln>
+        </p:spPr>
+        <p:style>
+          <a:lnRef idx="2">
+            <a:schemeClr val="accent1">
+              <a:shade val="50000"/>
+            </a:schemeClr>
+          </a:lnRef>
+          <a:fillRef idx="1">
+            <a:schemeClr val="accent1"/>
+          </a:fillRef>
+          <a:effectRef idx="0">
+            <a:schemeClr val="accent1"/>
+          </a:effectRef>
+          <a:fontRef idx="minor">
+            <a:schemeClr val="lt1"/>
+          </a:fontRef>
+        </p:style>
+        <p:txBody>
+          <a:bodyPr rtlCol="0" anchor="ctr"/>
+          <a:lstStyle/>
+          <a:p>
+            <a:pPr algn="ctr"/>
+            <a:endParaRPr lang="en-US"/>
+          </a:p>
+        </p:txBody>
+      </p:sp>
+      <p:sp>
+        <p:nvSpPr>
+          <p:cNvPr id="47" name="TextBox 46">
+            <a:extLst>
+              <a:ext uri="{FF2B5EF4-FFF2-40B4-BE49-F238E27FC236}">
+                <a16:creationId xmlns:a16="http://schemas.microsoft.com/office/drawing/2014/main" id="{46D6B824-955B-204D-B80A-F0C979E01230}"/>
+              </a:ext>
+            </a:extLst>
+          </p:cNvPr>
+          <p:cNvSpPr txBox="1"/>
+          <p:nvPr/>
+        </p:nvSpPr>
+        <p:spPr>
+          <a:xfrm>
+            <a:off x="1435393" y="4646431"/>
+            <a:ext cx="1521570" cy="830997"/>
+          </a:xfrm>
+          <a:prstGeom prst="rect">
+            <a:avLst/>
+          </a:prstGeom>
+          <a:solidFill>
+            <a:schemeClr val="bg1"/>
+          </a:solidFill>
+        </p:spPr>
+        <p:txBody>
+          <a:bodyPr wrap="none" rtlCol="0">
+            <a:spAutoFit/>
+          </a:bodyPr>
+          <a:lstStyle/>
+          <a:p>
+            <a:r>
+              <a:rPr lang="en-US" sz="2400">
+                <a:latin typeface="Swell Braille" pitchFamily="49"/>
+              </a:rPr>
+              <a:t>⠃⠫⠗⠕⠉⠅</a:t>
+            </a:r>
+          </a:p>
+          <a:p>
+            <a:r>
+              <a:rPr lang="en-US" sz="2400">
+                <a:latin typeface="Swell Braille" pitchFamily="49"/>
+              </a:rPr>
+              <a:t>⠇⠁⠽⠻⠎</a:t>
+            </a:r>
+          </a:p>
+        </p:txBody>
+      </p:sp>
     </p:spTree>
     <p:extLst>
       <p:ext uri="{BB962C8B-B14F-4D97-AF65-F5344CB8AC3E}">
-        <p14:creationId xmlns:p14="http://schemas.microsoft.com/office/powerpoint/2010/main" val="2888423019"/>
+        <p14:creationId xmlns:p14="http://schemas.microsoft.com/office/powerpoint/2010/main" val="1937082414"/>
       </p:ext>
     </p:extLst>
   </p:cSld>
@@ -4526,6 +6231,35 @@
           <a:chExt cx="0" cy="0"/>
         </a:xfrm>
       </p:grpSpPr>
+      <p:pic>
+        <p:nvPicPr>
+          <p:cNvPr id="3" name="Picture 2" descr="Diagram&#10;&#10;Description automatically generated">
+            <a:extLst>
+              <a:ext uri="{FF2B5EF4-FFF2-40B4-BE49-F238E27FC236}">
+                <a16:creationId xmlns:a16="http://schemas.microsoft.com/office/drawing/2014/main" id="{A15A707C-4291-B14E-8D30-999D36B90694}"/>
+              </a:ext>
+            </a:extLst>
+          </p:cNvPr>
+          <p:cNvPicPr>
+            <a:picLocks noChangeAspect="1"/>
+          </p:cNvPicPr>
+          <p:nvPr/>
+        </p:nvPicPr>
+        <p:blipFill rotWithShape="1">
+          <a:blip r:embed="rId2"/>
+          <a:srcRect l="6512" t="30387" r="23883" b="19224"/>
+          <a:stretch/>
+        </p:blipFill>
+        <p:spPr>
+          <a:xfrm>
+            <a:off x="107996" y="1414130"/>
+            <a:ext cx="8952644" cy="5007935"/>
+          </a:xfrm>
+          <a:prstGeom prst="rect">
+            <a:avLst/>
+          </a:prstGeom>
+        </p:spPr>
+      </p:pic>
       <p:cxnSp>
         <p:nvCxnSpPr>
           <p:cNvPr id="9" name="Straight Connector 8">
@@ -4597,41 +6331,15 @@
           <a:lstStyle/>
           <a:p>
             <a:r>
-              <a:rPr lang="en-US"/>
+              <a:rPr lang="en-US">
+                <a:latin typeface="Arial" panose="020B0604020202020204" pitchFamily="34" charset="0"/>
+                <a:cs typeface="Arial" panose="020B0604020202020204" pitchFamily="34" charset="0"/>
+              </a:rPr>
               <a:t>✄ </a:t>
             </a:r>
           </a:p>
         </p:txBody>
       </p:sp>
-      <p:pic>
-        <p:nvPicPr>
-          <p:cNvPr id="5" name="Picture 4" descr="A close up of a logo&#10;&#10;Description automatically generated">
-            <a:extLst>
-              <a:ext uri="{FF2B5EF4-FFF2-40B4-BE49-F238E27FC236}">
-                <a16:creationId xmlns:a16="http://schemas.microsoft.com/office/drawing/2014/main" id="{13190535-3AEA-DE43-98CE-030E6E8E182F}"/>
-              </a:ext>
-            </a:extLst>
-          </p:cNvPr>
-          <p:cNvPicPr>
-            <a:picLocks noChangeAspect="1"/>
-          </p:cNvPicPr>
-          <p:nvPr/>
-        </p:nvPicPr>
-        <p:blipFill rotWithShape="1">
-          <a:blip r:embed="rId2"/>
-          <a:srcRect l="6152" t="28372" r="24363" b="17520"/>
-          <a:stretch/>
-        </p:blipFill>
-        <p:spPr>
-          <a:xfrm>
-            <a:off x="542257" y="1113855"/>
-            <a:ext cx="7832144" cy="4712791"/>
-          </a:xfrm>
-          <a:prstGeom prst="rect">
-            <a:avLst/>
-          </a:prstGeom>
-        </p:spPr>
-      </p:pic>
       <p:sp>
         <p:nvSpPr>
           <p:cNvPr id="6" name="Rectangle 5">
@@ -4646,8 +6354,8 @@
         </p:nvSpPr>
         <p:spPr>
           <a:xfrm>
-            <a:off x="680480" y="2041455"/>
-            <a:ext cx="297712" cy="3540642"/>
+            <a:off x="255179" y="2349795"/>
+            <a:ext cx="297712" cy="3965948"/>
           </a:xfrm>
           <a:prstGeom prst="rect">
             <a:avLst/>
@@ -4680,57 +6388,19 @@
           <a:lstStyle/>
           <a:p>
             <a:pPr algn="ctr"/>
-            <a:endParaRPr lang="en-US"/>
-          </a:p>
-        </p:txBody>
-      </p:sp>
-      <p:cxnSp>
-        <p:nvCxnSpPr>
-          <p:cNvPr id="8" name="Straight Connector 7">
+            <a:endParaRPr lang="en-US">
+              <a:latin typeface="Arial" panose="020B0604020202020204" pitchFamily="34" charset="0"/>
+              <a:cs typeface="Arial" panose="020B0604020202020204" pitchFamily="34" charset="0"/>
+            </a:endParaRPr>
+          </a:p>
+        </p:txBody>
+      </p:sp>
+      <p:sp>
+        <p:nvSpPr>
+          <p:cNvPr id="18" name="Right Arrow 17">
             <a:extLst>
               <a:ext uri="{FF2B5EF4-FFF2-40B4-BE49-F238E27FC236}">
-                <a16:creationId xmlns:a16="http://schemas.microsoft.com/office/drawing/2014/main" id="{F8177063-21ED-9847-B8EC-BF145E8463D8}"/>
-              </a:ext>
-            </a:extLst>
-          </p:cNvPr>
-          <p:cNvCxnSpPr/>
-          <p:nvPr/>
-        </p:nvCxnSpPr>
-        <p:spPr>
-          <a:xfrm>
-            <a:off x="967559" y="2275371"/>
-            <a:ext cx="0" cy="3179135"/>
-          </a:xfrm>
-          <a:prstGeom prst="line">
-            <a:avLst/>
-          </a:prstGeom>
-          <a:ln w="31750">
-            <a:solidFill>
-              <a:schemeClr val="tx1"/>
-            </a:solidFill>
-          </a:ln>
-        </p:spPr>
-        <p:style>
-          <a:lnRef idx="1">
-            <a:schemeClr val="accent1"/>
-          </a:lnRef>
-          <a:fillRef idx="0">
-            <a:schemeClr val="accent1"/>
-          </a:fillRef>
-          <a:effectRef idx="0">
-            <a:schemeClr val="accent1"/>
-          </a:effectRef>
-          <a:fontRef idx="minor">
-            <a:schemeClr val="tx1"/>
-          </a:fontRef>
-        </p:style>
-      </p:cxnSp>
-      <p:sp>
-        <p:nvSpPr>
-          <p:cNvPr id="2" name="Right Arrow 1">
-            <a:extLst>
-              <a:ext uri="{FF2B5EF4-FFF2-40B4-BE49-F238E27FC236}">
-                <a16:creationId xmlns:a16="http://schemas.microsoft.com/office/drawing/2014/main" id="{5B5087B7-01FF-5340-9684-0859B60A133A}"/>
+                <a16:creationId xmlns:a16="http://schemas.microsoft.com/office/drawing/2014/main" id="{944399E7-8F0F-4F4D-95D2-64805EF11E3B}"/>
               </a:ext>
             </a:extLst>
           </p:cNvPr>
@@ -4739,7 +6409,7 @@
         </p:nvSpPr>
         <p:spPr>
           <a:xfrm rot="715405">
-            <a:off x="1669311" y="2551815"/>
+            <a:off x="1318437" y="2658140"/>
             <a:ext cx="648586" cy="276447"/>
           </a:xfrm>
           <a:prstGeom prst="rightArrow">
@@ -4779,10 +6449,10 @@
       </p:sp>
       <p:sp>
         <p:nvSpPr>
-          <p:cNvPr id="17" name="Right Arrow 16">
+          <p:cNvPr id="15" name="Freeform 14">
             <a:extLst>
               <a:ext uri="{FF2B5EF4-FFF2-40B4-BE49-F238E27FC236}">
-                <a16:creationId xmlns:a16="http://schemas.microsoft.com/office/drawing/2014/main" id="{F4A4B0DA-2DB2-9F43-8AD8-47FE0548627C}"/>
+                <a16:creationId xmlns:a16="http://schemas.microsoft.com/office/drawing/2014/main" id="{90B6BD30-FE14-7144-8FEC-E0DE16E256C6}"/>
               </a:ext>
             </a:extLst>
           </p:cNvPr>
@@ -4790,11 +6460,479 @@
           <p:nvPr/>
         </p:nvSpPr>
         <p:spPr>
-          <a:xfrm rot="1173132">
-            <a:off x="5139068" y="3405961"/>
+          <a:xfrm>
+            <a:off x="563526" y="2541182"/>
+            <a:ext cx="8070111" cy="2596896"/>
+          </a:xfrm>
+          <a:custGeom>
+            <a:avLst/>
+            <a:gdLst>
+              <a:gd name="connsiteX0" fmla="*/ 0 w 8070111"/>
+              <a:gd name="connsiteY0" fmla="*/ 0 h 2594344"/>
+              <a:gd name="connsiteX1" fmla="*/ 574158 w 8070111"/>
+              <a:gd name="connsiteY1" fmla="*/ 85061 h 2594344"/>
+              <a:gd name="connsiteX2" fmla="*/ 797441 w 8070111"/>
+              <a:gd name="connsiteY2" fmla="*/ 170121 h 2594344"/>
+              <a:gd name="connsiteX3" fmla="*/ 1286539 w 8070111"/>
+              <a:gd name="connsiteY3" fmla="*/ 202019 h 2594344"/>
+              <a:gd name="connsiteX4" fmla="*/ 1765004 w 8070111"/>
+              <a:gd name="connsiteY4" fmla="*/ 318977 h 2594344"/>
+              <a:gd name="connsiteX5" fmla="*/ 2339162 w 8070111"/>
+              <a:gd name="connsiteY5" fmla="*/ 425303 h 2594344"/>
+              <a:gd name="connsiteX6" fmla="*/ 2987748 w 8070111"/>
+              <a:gd name="connsiteY6" fmla="*/ 659219 h 2594344"/>
+              <a:gd name="connsiteX7" fmla="*/ 3859618 w 8070111"/>
+              <a:gd name="connsiteY7" fmla="*/ 925033 h 2594344"/>
+              <a:gd name="connsiteX8" fmla="*/ 4369981 w 8070111"/>
+              <a:gd name="connsiteY8" fmla="*/ 1041991 h 2594344"/>
+              <a:gd name="connsiteX9" fmla="*/ 5178055 w 8070111"/>
+              <a:gd name="connsiteY9" fmla="*/ 1307805 h 2594344"/>
+              <a:gd name="connsiteX10" fmla="*/ 6103088 w 8070111"/>
+              <a:gd name="connsiteY10" fmla="*/ 1626782 h 2594344"/>
+              <a:gd name="connsiteX11" fmla="*/ 6517758 w 8070111"/>
+              <a:gd name="connsiteY11" fmla="*/ 1733107 h 2594344"/>
+              <a:gd name="connsiteX12" fmla="*/ 6422065 w 8070111"/>
+              <a:gd name="connsiteY12" fmla="*/ 2147777 h 2594344"/>
+              <a:gd name="connsiteX13" fmla="*/ 6570921 w 8070111"/>
+              <a:gd name="connsiteY13" fmla="*/ 2200940 h 2594344"/>
+              <a:gd name="connsiteX14" fmla="*/ 6634716 w 8070111"/>
+              <a:gd name="connsiteY14" fmla="*/ 2062717 h 2594344"/>
+              <a:gd name="connsiteX15" fmla="*/ 8059479 w 8070111"/>
+              <a:gd name="connsiteY15" fmla="*/ 2083982 h 2594344"/>
+              <a:gd name="connsiteX16" fmla="*/ 8070111 w 8070111"/>
+              <a:gd name="connsiteY16" fmla="*/ 2594344 h 2594344"/>
+              <a:gd name="connsiteX17" fmla="*/ 7049386 w 8070111"/>
+              <a:gd name="connsiteY17" fmla="*/ 2583712 h 2594344"/>
+              <a:gd name="connsiteX18" fmla="*/ 6624083 w 8070111"/>
+              <a:gd name="connsiteY18" fmla="*/ 2562447 h 2594344"/>
+              <a:gd name="connsiteX19" fmla="*/ 6305107 w 8070111"/>
+              <a:gd name="connsiteY19" fmla="*/ 2339163 h 2594344"/>
+              <a:gd name="connsiteX20" fmla="*/ 6198781 w 8070111"/>
+              <a:gd name="connsiteY20" fmla="*/ 2094614 h 2594344"/>
+              <a:gd name="connsiteX21" fmla="*/ 6113721 w 8070111"/>
+              <a:gd name="connsiteY21" fmla="*/ 2211572 h 2594344"/>
+              <a:gd name="connsiteX22" fmla="*/ 5380074 w 8070111"/>
+              <a:gd name="connsiteY22" fmla="*/ 1935126 h 2594344"/>
+              <a:gd name="connsiteX23" fmla="*/ 4795283 w 8070111"/>
+              <a:gd name="connsiteY23" fmla="*/ 1605517 h 2594344"/>
+              <a:gd name="connsiteX24" fmla="*/ 4210493 w 8070111"/>
+              <a:gd name="connsiteY24" fmla="*/ 1520456 h 2594344"/>
+              <a:gd name="connsiteX25" fmla="*/ 3317358 w 8070111"/>
+              <a:gd name="connsiteY25" fmla="*/ 1180214 h 2594344"/>
+              <a:gd name="connsiteX26" fmla="*/ 3572539 w 8070111"/>
+              <a:gd name="connsiteY26" fmla="*/ 1158949 h 2594344"/>
+              <a:gd name="connsiteX27" fmla="*/ 3530009 w 8070111"/>
+              <a:gd name="connsiteY27" fmla="*/ 1010093 h 2594344"/>
+              <a:gd name="connsiteX28" fmla="*/ 3125972 w 8070111"/>
+              <a:gd name="connsiteY28" fmla="*/ 978196 h 2594344"/>
+              <a:gd name="connsiteX29" fmla="*/ 2785730 w 8070111"/>
+              <a:gd name="connsiteY29" fmla="*/ 1127051 h 2594344"/>
+              <a:gd name="connsiteX30" fmla="*/ 2147776 w 8070111"/>
+              <a:gd name="connsiteY30" fmla="*/ 839972 h 2594344"/>
+              <a:gd name="connsiteX31" fmla="*/ 2073348 w 8070111"/>
+              <a:gd name="connsiteY31" fmla="*/ 712382 h 2594344"/>
+              <a:gd name="connsiteX32" fmla="*/ 1881962 w 8070111"/>
+              <a:gd name="connsiteY32" fmla="*/ 680484 h 2594344"/>
+              <a:gd name="connsiteX33" fmla="*/ 1562986 w 8070111"/>
+              <a:gd name="connsiteY33" fmla="*/ 616689 h 2594344"/>
+              <a:gd name="connsiteX34" fmla="*/ 1275907 w 8070111"/>
+              <a:gd name="connsiteY34" fmla="*/ 712382 h 2594344"/>
+              <a:gd name="connsiteX35" fmla="*/ 616688 w 8070111"/>
+              <a:gd name="connsiteY35" fmla="*/ 552893 h 2594344"/>
+              <a:gd name="connsiteX36" fmla="*/ 31897 w 8070111"/>
+              <a:gd name="connsiteY36" fmla="*/ 499731 h 2594344"/>
+              <a:gd name="connsiteX37" fmla="*/ 0 w 8070111"/>
+              <a:gd name="connsiteY37" fmla="*/ 0 h 2594344"/>
+            </a:gdLst>
+            <a:ahLst/>
+            <a:cxnLst>
+              <a:cxn ang="0">
+                <a:pos x="connsiteX0" y="connsiteY0"/>
+              </a:cxn>
+              <a:cxn ang="0">
+                <a:pos x="connsiteX1" y="connsiteY1"/>
+              </a:cxn>
+              <a:cxn ang="0">
+                <a:pos x="connsiteX2" y="connsiteY2"/>
+              </a:cxn>
+              <a:cxn ang="0">
+                <a:pos x="connsiteX3" y="connsiteY3"/>
+              </a:cxn>
+              <a:cxn ang="0">
+                <a:pos x="connsiteX4" y="connsiteY4"/>
+              </a:cxn>
+              <a:cxn ang="0">
+                <a:pos x="connsiteX5" y="connsiteY5"/>
+              </a:cxn>
+              <a:cxn ang="0">
+                <a:pos x="connsiteX6" y="connsiteY6"/>
+              </a:cxn>
+              <a:cxn ang="0">
+                <a:pos x="connsiteX7" y="connsiteY7"/>
+              </a:cxn>
+              <a:cxn ang="0">
+                <a:pos x="connsiteX8" y="connsiteY8"/>
+              </a:cxn>
+              <a:cxn ang="0">
+                <a:pos x="connsiteX9" y="connsiteY9"/>
+              </a:cxn>
+              <a:cxn ang="0">
+                <a:pos x="connsiteX10" y="connsiteY10"/>
+              </a:cxn>
+              <a:cxn ang="0">
+                <a:pos x="connsiteX11" y="connsiteY11"/>
+              </a:cxn>
+              <a:cxn ang="0">
+                <a:pos x="connsiteX12" y="connsiteY12"/>
+              </a:cxn>
+              <a:cxn ang="0">
+                <a:pos x="connsiteX13" y="connsiteY13"/>
+              </a:cxn>
+              <a:cxn ang="0">
+                <a:pos x="connsiteX14" y="connsiteY14"/>
+              </a:cxn>
+              <a:cxn ang="0">
+                <a:pos x="connsiteX15" y="connsiteY15"/>
+              </a:cxn>
+              <a:cxn ang="0">
+                <a:pos x="connsiteX16" y="connsiteY16"/>
+              </a:cxn>
+              <a:cxn ang="0">
+                <a:pos x="connsiteX17" y="connsiteY17"/>
+              </a:cxn>
+              <a:cxn ang="0">
+                <a:pos x="connsiteX18" y="connsiteY18"/>
+              </a:cxn>
+              <a:cxn ang="0">
+                <a:pos x="connsiteX19" y="connsiteY19"/>
+              </a:cxn>
+              <a:cxn ang="0">
+                <a:pos x="connsiteX20" y="connsiteY20"/>
+              </a:cxn>
+              <a:cxn ang="0">
+                <a:pos x="connsiteX21" y="connsiteY21"/>
+              </a:cxn>
+              <a:cxn ang="0">
+                <a:pos x="connsiteX22" y="connsiteY22"/>
+              </a:cxn>
+              <a:cxn ang="0">
+                <a:pos x="connsiteX23" y="connsiteY23"/>
+              </a:cxn>
+              <a:cxn ang="0">
+                <a:pos x="connsiteX24" y="connsiteY24"/>
+              </a:cxn>
+              <a:cxn ang="0">
+                <a:pos x="connsiteX25" y="connsiteY25"/>
+              </a:cxn>
+              <a:cxn ang="0">
+                <a:pos x="connsiteX26" y="connsiteY26"/>
+              </a:cxn>
+              <a:cxn ang="0">
+                <a:pos x="connsiteX27" y="connsiteY27"/>
+              </a:cxn>
+              <a:cxn ang="0">
+                <a:pos x="connsiteX28" y="connsiteY28"/>
+              </a:cxn>
+              <a:cxn ang="0">
+                <a:pos x="connsiteX29" y="connsiteY29"/>
+              </a:cxn>
+              <a:cxn ang="0">
+                <a:pos x="connsiteX30" y="connsiteY30"/>
+              </a:cxn>
+              <a:cxn ang="0">
+                <a:pos x="connsiteX31" y="connsiteY31"/>
+              </a:cxn>
+              <a:cxn ang="0">
+                <a:pos x="connsiteX32" y="connsiteY32"/>
+              </a:cxn>
+              <a:cxn ang="0">
+                <a:pos x="connsiteX33" y="connsiteY33"/>
+              </a:cxn>
+              <a:cxn ang="0">
+                <a:pos x="connsiteX34" y="connsiteY34"/>
+              </a:cxn>
+              <a:cxn ang="0">
+                <a:pos x="connsiteX35" y="connsiteY35"/>
+              </a:cxn>
+              <a:cxn ang="0">
+                <a:pos x="connsiteX36" y="connsiteY36"/>
+              </a:cxn>
+              <a:cxn ang="0">
+                <a:pos x="connsiteX37" y="connsiteY37"/>
+              </a:cxn>
+            </a:cxnLst>
+            <a:rect l="l" t="t" r="r" b="b"/>
+            <a:pathLst>
+              <a:path w="8070111" h="2594344">
+                <a:moveTo>
+                  <a:pt x="0" y="0"/>
+                </a:moveTo>
+                <a:lnTo>
+                  <a:pt x="574158" y="85061"/>
+                </a:lnTo>
+                <a:lnTo>
+                  <a:pt x="797441" y="170121"/>
+                </a:lnTo>
+                <a:lnTo>
+                  <a:pt x="1286539" y="202019"/>
+                </a:lnTo>
+                <a:lnTo>
+                  <a:pt x="1765004" y="318977"/>
+                </a:lnTo>
+                <a:lnTo>
+                  <a:pt x="2339162" y="425303"/>
+                </a:lnTo>
+                <a:lnTo>
+                  <a:pt x="2987748" y="659219"/>
+                </a:lnTo>
+                <a:lnTo>
+                  <a:pt x="3859618" y="925033"/>
+                </a:lnTo>
+                <a:lnTo>
+                  <a:pt x="4369981" y="1041991"/>
+                </a:lnTo>
+                <a:lnTo>
+                  <a:pt x="5178055" y="1307805"/>
+                </a:lnTo>
+                <a:lnTo>
+                  <a:pt x="6103088" y="1626782"/>
+                </a:lnTo>
+                <a:lnTo>
+                  <a:pt x="6517758" y="1733107"/>
+                </a:lnTo>
+                <a:lnTo>
+                  <a:pt x="6422065" y="2147777"/>
+                </a:lnTo>
+                <a:lnTo>
+                  <a:pt x="6570921" y="2200940"/>
+                </a:lnTo>
+                <a:lnTo>
+                  <a:pt x="6634716" y="2062717"/>
+                </a:lnTo>
+                <a:lnTo>
+                  <a:pt x="8059479" y="2083982"/>
+                </a:lnTo>
+                <a:lnTo>
+                  <a:pt x="8070111" y="2594344"/>
+                </a:lnTo>
+                <a:lnTo>
+                  <a:pt x="7049386" y="2583712"/>
+                </a:lnTo>
+                <a:lnTo>
+                  <a:pt x="6624083" y="2562447"/>
+                </a:lnTo>
+                <a:lnTo>
+                  <a:pt x="6305107" y="2339163"/>
+                </a:lnTo>
+                <a:lnTo>
+                  <a:pt x="6198781" y="2094614"/>
+                </a:lnTo>
+                <a:lnTo>
+                  <a:pt x="6113721" y="2211572"/>
+                </a:lnTo>
+                <a:lnTo>
+                  <a:pt x="5380074" y="1935126"/>
+                </a:lnTo>
+                <a:lnTo>
+                  <a:pt x="4795283" y="1605517"/>
+                </a:lnTo>
+                <a:lnTo>
+                  <a:pt x="4210493" y="1520456"/>
+                </a:lnTo>
+                <a:lnTo>
+                  <a:pt x="3317358" y="1180214"/>
+                </a:lnTo>
+                <a:lnTo>
+                  <a:pt x="3572539" y="1158949"/>
+                </a:lnTo>
+                <a:lnTo>
+                  <a:pt x="3530009" y="1010093"/>
+                </a:lnTo>
+                <a:lnTo>
+                  <a:pt x="3125972" y="978196"/>
+                </a:lnTo>
+                <a:lnTo>
+                  <a:pt x="2785730" y="1127051"/>
+                </a:lnTo>
+                <a:lnTo>
+                  <a:pt x="2147776" y="839972"/>
+                </a:lnTo>
+                <a:lnTo>
+                  <a:pt x="2073348" y="712382"/>
+                </a:lnTo>
+                <a:lnTo>
+                  <a:pt x="1881962" y="680484"/>
+                </a:lnTo>
+                <a:lnTo>
+                  <a:pt x="1562986" y="616689"/>
+                </a:lnTo>
+                <a:lnTo>
+                  <a:pt x="1275907" y="712382"/>
+                </a:lnTo>
+                <a:lnTo>
+                  <a:pt x="616688" y="552893"/>
+                </a:lnTo>
+                <a:lnTo>
+                  <a:pt x="31897" y="499731"/>
+                </a:lnTo>
+                <a:lnTo>
+                  <a:pt x="0" y="0"/>
+                </a:lnTo>
+                <a:close/>
+              </a:path>
+            </a:pathLst>
+          </a:custGeom>
+          <a:pattFill prst="pct5">
+            <a:fgClr>
+              <a:schemeClr val="tx1"/>
+            </a:fgClr>
+            <a:bgClr>
+              <a:schemeClr val="bg1"/>
+            </a:bgClr>
+          </a:pattFill>
+          <a:ln>
+            <a:noFill/>
+          </a:ln>
+        </p:spPr>
+        <p:style>
+          <a:lnRef idx="2">
+            <a:schemeClr val="accent1">
+              <a:shade val="50000"/>
+            </a:schemeClr>
+          </a:lnRef>
+          <a:fillRef idx="1">
+            <a:schemeClr val="accent1"/>
+          </a:fillRef>
+          <a:effectRef idx="0">
+            <a:schemeClr val="accent1"/>
+          </a:effectRef>
+          <a:fontRef idx="minor">
+            <a:schemeClr val="lt1"/>
+          </a:fontRef>
+        </p:style>
+        <p:txBody>
+          <a:bodyPr rtlCol="0" anchor="ctr"/>
+          <a:lstStyle/>
+          <a:p>
+            <a:pPr algn="ctr"/>
+            <a:endParaRPr lang="en-US"/>
+          </a:p>
+        </p:txBody>
+      </p:sp>
+      <p:sp>
+        <p:nvSpPr>
+          <p:cNvPr id="20" name="Right Arrow 19">
+            <a:extLst>
+              <a:ext uri="{FF2B5EF4-FFF2-40B4-BE49-F238E27FC236}">
+                <a16:creationId xmlns:a16="http://schemas.microsoft.com/office/drawing/2014/main" id="{9DBD627F-50E0-1A4F-AAAA-2FA45A0A1496}"/>
+              </a:ext>
+            </a:extLst>
+          </p:cNvPr>
+          <p:cNvSpPr/>
+          <p:nvPr/>
+        </p:nvSpPr>
+        <p:spPr>
+          <a:xfrm rot="1133820">
+            <a:off x="2789273" y="3129518"/>
             <a:ext cx="648586" cy="276447"/>
           </a:xfrm>
           <a:prstGeom prst="rightArrow">
+            <a:avLst>
+              <a:gd name="adj1" fmla="val 21085"/>
+              <a:gd name="adj2" fmla="val 67605"/>
+            </a:avLst>
+          </a:prstGeom>
+          <a:solidFill>
+            <a:schemeClr val="tx1"/>
+          </a:solidFill>
+          <a:ln>
+            <a:noFill/>
+          </a:ln>
+        </p:spPr>
+        <p:style>
+          <a:lnRef idx="2">
+            <a:schemeClr val="accent1">
+              <a:shade val="50000"/>
+            </a:schemeClr>
+          </a:lnRef>
+          <a:fillRef idx="1">
+            <a:schemeClr val="accent1"/>
+          </a:fillRef>
+          <a:effectRef idx="0">
+            <a:schemeClr val="accent1"/>
+          </a:effectRef>
+          <a:fontRef idx="minor">
+            <a:schemeClr val="lt1"/>
+          </a:fontRef>
+        </p:style>
+        <p:txBody>
+          <a:bodyPr rtlCol="0" anchor="ctr"/>
+          <a:lstStyle/>
+          <a:p>
+            <a:pPr algn="ctr"/>
+            <a:endParaRPr lang="en-US"/>
+          </a:p>
+        </p:txBody>
+      </p:sp>
+      <p:cxnSp>
+        <p:nvCxnSpPr>
+          <p:cNvPr id="14" name="Straight Connector 13">
+            <a:extLst>
+              <a:ext uri="{FF2B5EF4-FFF2-40B4-BE49-F238E27FC236}">
+                <a16:creationId xmlns:a16="http://schemas.microsoft.com/office/drawing/2014/main" id="{8999FF0B-27BC-FA4F-94DB-AF5CB166872D}"/>
+              </a:ext>
+            </a:extLst>
+          </p:cNvPr>
+          <p:cNvCxnSpPr/>
+          <p:nvPr/>
+        </p:nvCxnSpPr>
+        <p:spPr>
+          <a:xfrm>
+            <a:off x="563526" y="2498651"/>
+            <a:ext cx="0" cy="3636335"/>
+          </a:xfrm>
+          <a:prstGeom prst="line">
+            <a:avLst/>
+          </a:prstGeom>
+          <a:ln w="38100">
+            <a:solidFill>
+              <a:schemeClr val="tx1"/>
+            </a:solidFill>
+          </a:ln>
+        </p:spPr>
+        <p:style>
+          <a:lnRef idx="1">
+            <a:schemeClr val="accent1"/>
+          </a:lnRef>
+          <a:fillRef idx="0">
+            <a:schemeClr val="accent1"/>
+          </a:fillRef>
+          <a:effectRef idx="0">
+            <a:schemeClr val="accent1"/>
+          </a:effectRef>
+          <a:fontRef idx="minor">
+            <a:schemeClr val="tx1"/>
+          </a:fontRef>
+        </p:style>
+      </p:cxnSp>
+      <p:sp>
+        <p:nvSpPr>
+          <p:cNvPr id="21" name="Rectangle 20">
+            <a:extLst>
+              <a:ext uri="{FF2B5EF4-FFF2-40B4-BE49-F238E27FC236}">
+                <a16:creationId xmlns:a16="http://schemas.microsoft.com/office/drawing/2014/main" id="{A17D6F70-E0F3-F74A-A41E-FA9DA976E732}"/>
+              </a:ext>
+            </a:extLst>
+          </p:cNvPr>
+          <p:cNvSpPr/>
+          <p:nvPr/>
+        </p:nvSpPr>
+        <p:spPr>
+          <a:xfrm rot="970182">
+            <a:off x="7069767" y="3833933"/>
+            <a:ext cx="236004" cy="978195"/>
+          </a:xfrm>
+          <a:prstGeom prst="rect">
             <a:avLst/>
           </a:prstGeom>
           <a:solidFill>
@@ -4831,10 +6969,10 @@
       </p:sp>
       <p:sp>
         <p:nvSpPr>
-          <p:cNvPr id="18" name="Right Arrow 17">
+          <p:cNvPr id="25" name="Rectangle 24">
             <a:extLst>
               <a:ext uri="{FF2B5EF4-FFF2-40B4-BE49-F238E27FC236}">
-                <a16:creationId xmlns:a16="http://schemas.microsoft.com/office/drawing/2014/main" id="{FC7A2B62-44FA-C443-BDDF-F8376E6921CC}"/>
+                <a16:creationId xmlns:a16="http://schemas.microsoft.com/office/drawing/2014/main" id="{9A0688A4-3BA7-1041-91DA-4CE3F98614D4}"/>
               </a:ext>
             </a:extLst>
           </p:cNvPr>
@@ -4842,11 +6980,11 @@
           <p:nvPr/>
         </p:nvSpPr>
         <p:spPr>
-          <a:xfrm rot="1133820">
-            <a:off x="3193311" y="2863703"/>
-            <a:ext cx="648586" cy="276447"/>
-          </a:xfrm>
-          <a:prstGeom prst="rightArrow">
+          <a:xfrm rot="1457062">
+            <a:off x="1848798" y="2304245"/>
+            <a:ext cx="171368" cy="559010"/>
+          </a:xfrm>
+          <a:prstGeom prst="rect">
             <a:avLst/>
           </a:prstGeom>
           <a:solidFill>
@@ -4881,10 +7019,279 @@
           </a:p>
         </p:txBody>
       </p:sp>
+      <p:sp>
+        <p:nvSpPr>
+          <p:cNvPr id="26" name="Rectangle 25">
+            <a:extLst>
+              <a:ext uri="{FF2B5EF4-FFF2-40B4-BE49-F238E27FC236}">
+                <a16:creationId xmlns:a16="http://schemas.microsoft.com/office/drawing/2014/main" id="{B64BDA4E-7CF9-234B-933F-D00C1830BD48}"/>
+              </a:ext>
+            </a:extLst>
+          </p:cNvPr>
+          <p:cNvSpPr/>
+          <p:nvPr/>
+        </p:nvSpPr>
+        <p:spPr>
+          <a:xfrm rot="6052230">
+            <a:off x="2320175" y="2499177"/>
+            <a:ext cx="171368" cy="559010"/>
+          </a:xfrm>
+          <a:prstGeom prst="rect">
+            <a:avLst/>
+          </a:prstGeom>
+          <a:solidFill>
+            <a:schemeClr val="tx1"/>
+          </a:solidFill>
+          <a:ln>
+            <a:noFill/>
+          </a:ln>
+        </p:spPr>
+        <p:style>
+          <a:lnRef idx="2">
+            <a:schemeClr val="accent1">
+              <a:shade val="50000"/>
+            </a:schemeClr>
+          </a:lnRef>
+          <a:fillRef idx="1">
+            <a:schemeClr val="accent1"/>
+          </a:fillRef>
+          <a:effectRef idx="0">
+            <a:schemeClr val="accent1"/>
+          </a:effectRef>
+          <a:fontRef idx="minor">
+            <a:schemeClr val="lt1"/>
+          </a:fontRef>
+        </p:style>
+        <p:txBody>
+          <a:bodyPr rtlCol="0" anchor="ctr"/>
+          <a:lstStyle/>
+          <a:p>
+            <a:pPr algn="ctr"/>
+            <a:endParaRPr lang="en-US"/>
+          </a:p>
+        </p:txBody>
+      </p:sp>
+      <p:sp>
+        <p:nvSpPr>
+          <p:cNvPr id="27" name="Rectangle 26">
+            <a:extLst>
+              <a:ext uri="{FF2B5EF4-FFF2-40B4-BE49-F238E27FC236}">
+                <a16:creationId xmlns:a16="http://schemas.microsoft.com/office/drawing/2014/main" id="{0E6F529D-34A9-DC43-A73F-467A40BB3F57}"/>
+              </a:ext>
+            </a:extLst>
+          </p:cNvPr>
+          <p:cNvSpPr/>
+          <p:nvPr/>
+        </p:nvSpPr>
+        <p:spPr>
+          <a:xfrm rot="2161399">
+            <a:off x="1313625" y="2236908"/>
+            <a:ext cx="171368" cy="559010"/>
+          </a:xfrm>
+          <a:prstGeom prst="rect">
+            <a:avLst/>
+          </a:prstGeom>
+          <a:solidFill>
+            <a:schemeClr val="tx1"/>
+          </a:solidFill>
+          <a:ln>
+            <a:noFill/>
+          </a:ln>
+        </p:spPr>
+        <p:style>
+          <a:lnRef idx="2">
+            <a:schemeClr val="accent1">
+              <a:shade val="50000"/>
+            </a:schemeClr>
+          </a:lnRef>
+          <a:fillRef idx="1">
+            <a:schemeClr val="accent1"/>
+          </a:fillRef>
+          <a:effectRef idx="0">
+            <a:schemeClr val="accent1"/>
+          </a:effectRef>
+          <a:fontRef idx="minor">
+            <a:schemeClr val="lt1"/>
+          </a:fontRef>
+        </p:style>
+        <p:txBody>
+          <a:bodyPr rtlCol="0" anchor="ctr"/>
+          <a:lstStyle/>
+          <a:p>
+            <a:pPr algn="ctr"/>
+            <a:endParaRPr lang="en-US"/>
+          </a:p>
+        </p:txBody>
+      </p:sp>
+      <p:sp>
+        <p:nvSpPr>
+          <p:cNvPr id="42" name="Right Arrow 41">
+            <a:extLst>
+              <a:ext uri="{FF2B5EF4-FFF2-40B4-BE49-F238E27FC236}">
+                <a16:creationId xmlns:a16="http://schemas.microsoft.com/office/drawing/2014/main" id="{E92CF9B2-39A9-D94B-ADF8-0937F1FCAFDB}"/>
+              </a:ext>
+            </a:extLst>
+          </p:cNvPr>
+          <p:cNvSpPr/>
+          <p:nvPr/>
+        </p:nvSpPr>
+        <p:spPr>
+          <a:xfrm rot="1133820">
+            <a:off x="4494023" y="3696588"/>
+            <a:ext cx="648586" cy="276447"/>
+          </a:xfrm>
+          <a:prstGeom prst="rightArrow">
+            <a:avLst>
+              <a:gd name="adj1" fmla="val 21085"/>
+              <a:gd name="adj2" fmla="val 67605"/>
+            </a:avLst>
+          </a:prstGeom>
+          <a:solidFill>
+            <a:schemeClr val="tx1"/>
+          </a:solidFill>
+          <a:ln>
+            <a:noFill/>
+          </a:ln>
+        </p:spPr>
+        <p:style>
+          <a:lnRef idx="2">
+            <a:schemeClr val="accent1">
+              <a:shade val="50000"/>
+            </a:schemeClr>
+          </a:lnRef>
+          <a:fillRef idx="1">
+            <a:schemeClr val="accent1"/>
+          </a:fillRef>
+          <a:effectRef idx="0">
+            <a:schemeClr val="accent1"/>
+          </a:effectRef>
+          <a:fontRef idx="minor">
+            <a:schemeClr val="lt1"/>
+          </a:fontRef>
+        </p:style>
+        <p:txBody>
+          <a:bodyPr rtlCol="0" anchor="ctr"/>
+          <a:lstStyle/>
+          <a:p>
+            <a:pPr algn="ctr"/>
+            <a:endParaRPr lang="en-US"/>
+          </a:p>
+        </p:txBody>
+      </p:sp>
+      <p:sp>
+        <p:nvSpPr>
+          <p:cNvPr id="43" name="Right Arrow 42">
+            <a:extLst>
+              <a:ext uri="{FF2B5EF4-FFF2-40B4-BE49-F238E27FC236}">
+                <a16:creationId xmlns:a16="http://schemas.microsoft.com/office/drawing/2014/main" id="{278B39E7-83F2-9D42-8ED9-C9157902B475}"/>
+              </a:ext>
+            </a:extLst>
+          </p:cNvPr>
+          <p:cNvSpPr/>
+          <p:nvPr/>
+        </p:nvSpPr>
+        <p:spPr>
+          <a:xfrm rot="516043">
+            <a:off x="1060427" y="2852326"/>
+            <a:ext cx="622106" cy="276447"/>
+          </a:xfrm>
+          <a:prstGeom prst="rightArrow">
+            <a:avLst>
+              <a:gd name="adj1" fmla="val 21085"/>
+              <a:gd name="adj2" fmla="val 67605"/>
+            </a:avLst>
+          </a:prstGeom>
+          <a:solidFill>
+            <a:schemeClr val="tx1"/>
+          </a:solidFill>
+          <a:ln>
+            <a:noFill/>
+          </a:ln>
+        </p:spPr>
+        <p:style>
+          <a:lnRef idx="2">
+            <a:schemeClr val="accent1">
+              <a:shade val="50000"/>
+            </a:schemeClr>
+          </a:lnRef>
+          <a:fillRef idx="1">
+            <a:schemeClr val="accent1"/>
+          </a:fillRef>
+          <a:effectRef idx="0">
+            <a:schemeClr val="accent1"/>
+          </a:effectRef>
+          <a:fontRef idx="minor">
+            <a:schemeClr val="lt1"/>
+          </a:fontRef>
+        </p:style>
+        <p:txBody>
+          <a:bodyPr rtlCol="0" anchor="ctr"/>
+          <a:lstStyle/>
+          <a:p>
+            <a:pPr algn="ctr"/>
+            <a:endParaRPr lang="en-US"/>
+          </a:p>
+        </p:txBody>
+      </p:sp>
+      <p:sp>
+        <p:nvSpPr>
+          <p:cNvPr id="44" name="Right Arrow 43">
+            <a:extLst>
+              <a:ext uri="{FF2B5EF4-FFF2-40B4-BE49-F238E27FC236}">
+                <a16:creationId xmlns:a16="http://schemas.microsoft.com/office/drawing/2014/main" id="{80391E9E-86FF-1041-B9F7-98948948465A}"/>
+              </a:ext>
+            </a:extLst>
+          </p:cNvPr>
+          <p:cNvSpPr/>
+          <p:nvPr/>
+        </p:nvSpPr>
+        <p:spPr>
+          <a:xfrm rot="1133820">
+            <a:off x="6156246" y="4231760"/>
+            <a:ext cx="648586" cy="276447"/>
+          </a:xfrm>
+          <a:prstGeom prst="rightArrow">
+            <a:avLst>
+              <a:gd name="adj1" fmla="val 21085"/>
+              <a:gd name="adj2" fmla="val 67605"/>
+            </a:avLst>
+          </a:prstGeom>
+          <a:solidFill>
+            <a:schemeClr val="tx1"/>
+          </a:solidFill>
+          <a:ln>
+            <a:noFill/>
+          </a:ln>
+        </p:spPr>
+        <p:style>
+          <a:lnRef idx="2">
+            <a:schemeClr val="accent1">
+              <a:shade val="50000"/>
+            </a:schemeClr>
+          </a:lnRef>
+          <a:fillRef idx="1">
+            <a:schemeClr val="accent1"/>
+          </a:fillRef>
+          <a:effectRef idx="0">
+            <a:schemeClr val="accent1"/>
+          </a:effectRef>
+          <a:fontRef idx="minor">
+            <a:schemeClr val="lt1"/>
+          </a:fontRef>
+        </p:style>
+        <p:txBody>
+          <a:bodyPr rtlCol="0" anchor="ctr"/>
+          <a:lstStyle/>
+          <a:p>
+            <a:pPr algn="ctr"/>
+            <a:endParaRPr lang="en-US"/>
+          </a:p>
+        </p:txBody>
+      </p:sp>
     </p:spTree>
     <p:extLst>
       <p:ext uri="{BB962C8B-B14F-4D97-AF65-F5344CB8AC3E}">
-        <p14:creationId xmlns:p14="http://schemas.microsoft.com/office/powerpoint/2010/main" val="1226084237"/>
+        <p14:creationId xmlns:p14="http://schemas.microsoft.com/office/powerpoint/2010/main" val="678945389"/>
       </p:ext>
     </p:extLst>
   </p:cSld>

--- a/assets/tactile_image_files/0020-creep/0020-creep.pptx
+++ b/assets/tactile_image_files/0020-creep/0020-creep.pptx
@@ -117,6 +117,16 @@
 </p:presentation>
 </file>
 
+<file path=ppt/revisionInfo.xml><?xml version="1.0" encoding="utf-8"?>
+<p1510:revInfo xmlns:a="http://schemas.openxmlformats.org/drawingml/2006/main" xmlns:r="http://schemas.openxmlformats.org/officeDocument/2006/relationships" xmlns:p1510="http://schemas.microsoft.com/office/powerpoint/2015/10/main">
+  <p1510:revLst>
+    <p1510:client id="{8DB75CED-CFF8-BC5E-1F28-610232F8872D}" v="1" dt="2021-02-24T21:02:30.758"/>
+    <p1510:client id="{A012765A-E76B-3806-A359-4B75E25E0455}" v="10" dt="2021-02-22T15:37:24.699"/>
+    <p1510:client id="{E8151931-4AE7-D63E-7EA8-E74D447C1D56}" v="9" dt="2021-02-12T00:54:32.512"/>
+  </p1510:revLst>
+</p1510:revInfo>
+</file>
+
 <file path=ppt/notesMasters/notesMaster1.xml><?xml version="1.0" encoding="utf-8"?>
 <p:notesMaster xmlns:a="http://schemas.openxmlformats.org/drawingml/2006/main" xmlns:r="http://schemas.openxmlformats.org/officeDocument/2006/relationships" xmlns:p="http://schemas.openxmlformats.org/presentationml/2006/main">
   <p:cSld>
@@ -198,7 +208,7 @@
           </a:lstStyle>
           <a:p>
             <a:fld id="{DC880F74-5F87-E94E-8AEF-72C270124CC0}" type="datetimeFigureOut">
-              <a:t>1/8/21</a:t>
+              <a:t>7/9/21</a:t>
             </a:fld>
             <a:endParaRPr lang="en-US"/>
           </a:p>
@@ -603,7 +613,7 @@
           <a:p>
             <a:fld id="{E796F801-3BB8-A247-923B-F07F1B58D38A}" type="datetimeFigureOut">
               <a:rPr lang="en-US" smtClean="0"/>
-              <a:t>1/8/21</a:t>
+              <a:t>7/9/21</a:t>
             </a:fld>
             <a:endParaRPr lang="en-US"/>
           </a:p>
@@ -783,7 +793,7 @@
           <a:p>
             <a:fld id="{E796F801-3BB8-A247-923B-F07F1B58D38A}" type="datetimeFigureOut">
               <a:rPr lang="en-US" smtClean="0"/>
-              <a:t>1/8/21</a:t>
+              <a:t>7/9/21</a:t>
             </a:fld>
             <a:endParaRPr lang="en-US"/>
           </a:p>
@@ -953,7 +963,7 @@
           <a:p>
             <a:fld id="{E796F801-3BB8-A247-923B-F07F1B58D38A}" type="datetimeFigureOut">
               <a:rPr lang="en-US" smtClean="0"/>
-              <a:t>1/8/21</a:t>
+              <a:t>7/9/21</a:t>
             </a:fld>
             <a:endParaRPr lang="en-US"/>
           </a:p>
@@ -1197,7 +1207,7 @@
           <a:p>
             <a:fld id="{E796F801-3BB8-A247-923B-F07F1B58D38A}" type="datetimeFigureOut">
               <a:rPr lang="en-US" smtClean="0"/>
-              <a:t>1/8/21</a:t>
+              <a:t>7/9/21</a:t>
             </a:fld>
             <a:endParaRPr lang="en-US"/>
           </a:p>
@@ -1429,7 +1439,7 @@
           <a:p>
             <a:fld id="{E796F801-3BB8-A247-923B-F07F1B58D38A}" type="datetimeFigureOut">
               <a:rPr lang="en-US" smtClean="0"/>
-              <a:t>1/8/21</a:t>
+              <a:t>7/9/21</a:t>
             </a:fld>
             <a:endParaRPr lang="en-US"/>
           </a:p>
@@ -1796,7 +1806,7 @@
           <a:p>
             <a:fld id="{E796F801-3BB8-A247-923B-F07F1B58D38A}" type="datetimeFigureOut">
               <a:rPr lang="en-US" smtClean="0"/>
-              <a:t>1/8/21</a:t>
+              <a:t>7/9/21</a:t>
             </a:fld>
             <a:endParaRPr lang="en-US"/>
           </a:p>
@@ -1914,7 +1924,7 @@
           <a:p>
             <a:fld id="{E796F801-3BB8-A247-923B-F07F1B58D38A}" type="datetimeFigureOut">
               <a:rPr lang="en-US" smtClean="0"/>
-              <a:t>1/8/21</a:t>
+              <a:t>7/9/21</a:t>
             </a:fld>
             <a:endParaRPr lang="en-US"/>
           </a:p>
@@ -2009,7 +2019,7 @@
           <a:p>
             <a:fld id="{E796F801-3BB8-A247-923B-F07F1B58D38A}" type="datetimeFigureOut">
               <a:rPr lang="en-US" smtClean="0"/>
-              <a:t>1/8/21</a:t>
+              <a:t>7/9/21</a:t>
             </a:fld>
             <a:endParaRPr lang="en-US"/>
           </a:p>
@@ -2286,7 +2296,7 @@
           <a:p>
             <a:fld id="{E796F801-3BB8-A247-923B-F07F1B58D38A}" type="datetimeFigureOut">
               <a:rPr lang="en-US" smtClean="0"/>
-              <a:t>1/8/21</a:t>
+              <a:t>7/9/21</a:t>
             </a:fld>
             <a:endParaRPr lang="en-US"/>
           </a:p>
@@ -2543,7 +2553,7 @@
           <a:p>
             <a:fld id="{E796F801-3BB8-A247-923B-F07F1B58D38A}" type="datetimeFigureOut">
               <a:rPr lang="en-US" smtClean="0"/>
-              <a:t>1/8/21</a:t>
+              <a:t>7/9/21</a:t>
             </a:fld>
             <a:endParaRPr lang="en-US"/>
           </a:p>
@@ -2756,7 +2766,7 @@
           <a:p>
             <a:fld id="{E796F801-3BB8-A247-923B-F07F1B58D38A}" type="datetimeFigureOut">
               <a:rPr lang="en-US" smtClean="0"/>
-              <a:t>1/8/21</a:t>
+              <a:t>7/9/21</a:t>
             </a:fld>
             <a:endParaRPr lang="en-US"/>
           </a:p>
@@ -5799,8 +5809,8 @@
         </p:nvSpPr>
         <p:spPr>
           <a:xfrm>
-            <a:off x="269355" y="886049"/>
-            <a:ext cx="3101166" cy="830997"/>
+            <a:off x="259909" y="867157"/>
+            <a:ext cx="3242859" cy="849889"/>
           </a:xfrm>
           <a:prstGeom prst="rect">
             <a:avLst/>
@@ -5808,17 +5818,20 @@
           <a:noFill/>
         </p:spPr>
         <p:txBody>
-          <a:bodyPr wrap="square" rtlCol="0">
+          <a:bodyPr wrap="square" lIns="91440" tIns="45720" rIns="91440" bIns="45720" rtlCol="0" anchor="t">
             <a:spAutoFit/>
           </a:bodyPr>
           <a:lstStyle/>
           <a:p>
             <a:r>
               <a:rPr lang="en-US" sz="2400">
-                <a:latin typeface="Swell Braille" pitchFamily="49"/>
+                <a:latin typeface="Swell Braille"/>
               </a:rPr>
               <a:t>⠇⠂⠝⠬⠀⠯⠀⠞⠕⠏⠏⠇⠫⠀⠛⠗⠁⠧⠑⠌⠐⠕⠎</a:t>
             </a:r>
+            <a:endParaRPr lang="en-US" sz="2400">
+              <a:latin typeface="Swell Braille" pitchFamily="49"/>
+            </a:endParaRPr>
           </a:p>
         </p:txBody>
       </p:sp>
@@ -5837,7 +5850,7 @@
         <p:spPr>
           <a:xfrm>
             <a:off x="5720317" y="3040916"/>
-            <a:ext cx="1075936" cy="461665"/>
+            <a:ext cx="607859" cy="461665"/>
           </a:xfrm>
           <a:prstGeom prst="rect">
             <a:avLst/>
@@ -5845,17 +5858,20 @@
           <a:noFill/>
         </p:spPr>
         <p:txBody>
-          <a:bodyPr wrap="none" rtlCol="0">
+          <a:bodyPr wrap="none" lIns="91440" tIns="45720" rIns="91440" bIns="45720" rtlCol="0" anchor="t">
             <a:spAutoFit/>
           </a:bodyPr>
           <a:lstStyle/>
           <a:p>
             <a:r>
               <a:rPr lang="en-US" sz="2400">
-                <a:latin typeface="Swell Braille" pitchFamily="49"/>
+                <a:latin typeface="Swell Braille"/>
               </a:rPr>
               <a:t>soil</a:t>
             </a:r>
+            <a:endParaRPr lang="en-US" sz="2400">
+              <a:latin typeface="Swell Braille" pitchFamily="49"/>
+            </a:endParaRPr>
           </a:p>
         </p:txBody>
       </p:sp>
@@ -5963,7 +5979,7 @@
         <p:spPr>
           <a:xfrm flipV="1">
             <a:off x="1690577" y="1717046"/>
-            <a:ext cx="129361" cy="547689"/>
+            <a:ext cx="190762" cy="547690"/>
           </a:xfrm>
           <a:prstGeom prst="line">
             <a:avLst/>
